--- a/ppt.pptx
+++ b/ppt.pptx
@@ -19,7 +19,8 @@
     <p:sldId id="266" r:id="rId13"/>
     <p:sldId id="262" r:id="rId14"/>
     <p:sldId id="267" r:id="rId15"/>
-    <p:sldId id="272" r:id="rId16"/>
+    <p:sldId id="273" r:id="rId16"/>
+    <p:sldId id="272" r:id="rId17"/>
   </p:sldIdLst>
   <p:sldSz cx="12192000" cy="6858000"/>
   <p:notesSz cx="6858000" cy="9144000"/>
@@ -148,7 +149,7 @@
           <p:cNvPr id="2" name="제목 1">
             <a:extLst>
               <a:ext uri="{FF2B5EF4-FFF2-40B4-BE49-F238E27FC236}">
-                <a16:creationId xmlns:a16="http://schemas.microsoft.com/office/drawing/2014/main" xmlns="" id="{0D48F5AA-8E39-4C7E-B6A2-8B9D2C4F5ED2}"/>
+                <a16:creationId xmlns="" xmlns:a16="http://schemas.microsoft.com/office/drawing/2014/main" id="{0D48F5AA-8E39-4C7E-B6A2-8B9D2C4F5ED2}"/>
               </a:ext>
             </a:extLst>
           </p:cNvPr>
@@ -185,7 +186,7 @@
           <p:cNvPr id="3" name="부제목 2">
             <a:extLst>
               <a:ext uri="{FF2B5EF4-FFF2-40B4-BE49-F238E27FC236}">
-                <a16:creationId xmlns:a16="http://schemas.microsoft.com/office/drawing/2014/main" xmlns="" id="{611A2FBE-CCC8-468E-90DF-EB3A64FD8A52}"/>
+                <a16:creationId xmlns="" xmlns:a16="http://schemas.microsoft.com/office/drawing/2014/main" id="{611A2FBE-CCC8-468E-90DF-EB3A64FD8A52}"/>
               </a:ext>
             </a:extLst>
           </p:cNvPr>
@@ -255,7 +256,7 @@
           <p:cNvPr id="4" name="날짜 개체 틀 3">
             <a:extLst>
               <a:ext uri="{FF2B5EF4-FFF2-40B4-BE49-F238E27FC236}">
-                <a16:creationId xmlns:a16="http://schemas.microsoft.com/office/drawing/2014/main" xmlns="" id="{9017351A-231F-4178-A9C0-FEC5BD7FD67D}"/>
+                <a16:creationId xmlns="" xmlns:a16="http://schemas.microsoft.com/office/drawing/2014/main" id="{9017351A-231F-4178-A9C0-FEC5BD7FD67D}"/>
               </a:ext>
             </a:extLst>
           </p:cNvPr>
@@ -284,7 +285,7 @@
           <p:cNvPr id="5" name="바닥글 개체 틀 4">
             <a:extLst>
               <a:ext uri="{FF2B5EF4-FFF2-40B4-BE49-F238E27FC236}">
-                <a16:creationId xmlns:a16="http://schemas.microsoft.com/office/drawing/2014/main" xmlns="" id="{041A47B8-AFE1-42B2-A048-81E57134F363}"/>
+                <a16:creationId xmlns="" xmlns:a16="http://schemas.microsoft.com/office/drawing/2014/main" id="{041A47B8-AFE1-42B2-A048-81E57134F363}"/>
               </a:ext>
             </a:extLst>
           </p:cNvPr>
@@ -309,7 +310,7 @@
           <p:cNvPr id="6" name="슬라이드 번호 개체 틀 5">
             <a:extLst>
               <a:ext uri="{FF2B5EF4-FFF2-40B4-BE49-F238E27FC236}">
-                <a16:creationId xmlns:a16="http://schemas.microsoft.com/office/drawing/2014/main" xmlns="" id="{AC675EF5-C5CC-41BB-8287-C1A00E6DA26B}"/>
+                <a16:creationId xmlns="" xmlns:a16="http://schemas.microsoft.com/office/drawing/2014/main" id="{AC675EF5-C5CC-41BB-8287-C1A00E6DA26B}"/>
               </a:ext>
             </a:extLst>
           </p:cNvPr>
@@ -368,7 +369,7 @@
           <p:cNvPr id="2" name="제목 1">
             <a:extLst>
               <a:ext uri="{FF2B5EF4-FFF2-40B4-BE49-F238E27FC236}">
-                <a16:creationId xmlns:a16="http://schemas.microsoft.com/office/drawing/2014/main" xmlns="" id="{03BB0B80-02DA-4494-A335-20FDD0B5201F}"/>
+                <a16:creationId xmlns="" xmlns:a16="http://schemas.microsoft.com/office/drawing/2014/main" id="{03BB0B80-02DA-4494-A335-20FDD0B5201F}"/>
               </a:ext>
             </a:extLst>
           </p:cNvPr>
@@ -396,7 +397,7 @@
           <p:cNvPr id="3" name="세로 텍스트 개체 틀 2">
             <a:extLst>
               <a:ext uri="{FF2B5EF4-FFF2-40B4-BE49-F238E27FC236}">
-                <a16:creationId xmlns:a16="http://schemas.microsoft.com/office/drawing/2014/main" xmlns="" id="{CC8A2EAD-C0D5-4CCC-9A0A-4713B3A0C78A}"/>
+                <a16:creationId xmlns="" xmlns:a16="http://schemas.microsoft.com/office/drawing/2014/main" id="{CC8A2EAD-C0D5-4CCC-9A0A-4713B3A0C78A}"/>
               </a:ext>
             </a:extLst>
           </p:cNvPr>
@@ -453,7 +454,7 @@
           <p:cNvPr id="4" name="날짜 개체 틀 3">
             <a:extLst>
               <a:ext uri="{FF2B5EF4-FFF2-40B4-BE49-F238E27FC236}">
-                <a16:creationId xmlns:a16="http://schemas.microsoft.com/office/drawing/2014/main" xmlns="" id="{70F7ADA6-67A0-4A7D-9D26-098D6E961F66}"/>
+                <a16:creationId xmlns="" xmlns:a16="http://schemas.microsoft.com/office/drawing/2014/main" id="{70F7ADA6-67A0-4A7D-9D26-098D6E961F66}"/>
               </a:ext>
             </a:extLst>
           </p:cNvPr>
@@ -482,7 +483,7 @@
           <p:cNvPr id="5" name="바닥글 개체 틀 4">
             <a:extLst>
               <a:ext uri="{FF2B5EF4-FFF2-40B4-BE49-F238E27FC236}">
-                <a16:creationId xmlns:a16="http://schemas.microsoft.com/office/drawing/2014/main" xmlns="" id="{B56CD616-8F87-4463-AE75-158D9E9AABE3}"/>
+                <a16:creationId xmlns="" xmlns:a16="http://schemas.microsoft.com/office/drawing/2014/main" id="{B56CD616-8F87-4463-AE75-158D9E9AABE3}"/>
               </a:ext>
             </a:extLst>
           </p:cNvPr>
@@ -507,7 +508,7 @@
           <p:cNvPr id="6" name="슬라이드 번호 개체 틀 5">
             <a:extLst>
               <a:ext uri="{FF2B5EF4-FFF2-40B4-BE49-F238E27FC236}">
-                <a16:creationId xmlns:a16="http://schemas.microsoft.com/office/drawing/2014/main" xmlns="" id="{F1A9BCC4-7D8C-4EED-9425-B6FC1E73C8FA}"/>
+                <a16:creationId xmlns="" xmlns:a16="http://schemas.microsoft.com/office/drawing/2014/main" id="{F1A9BCC4-7D8C-4EED-9425-B6FC1E73C8FA}"/>
               </a:ext>
             </a:extLst>
           </p:cNvPr>
@@ -566,7 +567,7 @@
           <p:cNvPr id="2" name="세로 제목 1">
             <a:extLst>
               <a:ext uri="{FF2B5EF4-FFF2-40B4-BE49-F238E27FC236}">
-                <a16:creationId xmlns:a16="http://schemas.microsoft.com/office/drawing/2014/main" xmlns="" id="{6E2DEF48-3BF3-4159-9524-BA7F09F1A900}"/>
+                <a16:creationId xmlns="" xmlns:a16="http://schemas.microsoft.com/office/drawing/2014/main" id="{6E2DEF48-3BF3-4159-9524-BA7F09F1A900}"/>
               </a:ext>
             </a:extLst>
           </p:cNvPr>
@@ -599,7 +600,7 @@
           <p:cNvPr id="3" name="세로 텍스트 개체 틀 2">
             <a:extLst>
               <a:ext uri="{FF2B5EF4-FFF2-40B4-BE49-F238E27FC236}">
-                <a16:creationId xmlns:a16="http://schemas.microsoft.com/office/drawing/2014/main" xmlns="" id="{C2CF6DB1-EEA8-4A17-BE2C-2917038AF13C}"/>
+                <a16:creationId xmlns="" xmlns:a16="http://schemas.microsoft.com/office/drawing/2014/main" id="{C2CF6DB1-EEA8-4A17-BE2C-2917038AF13C}"/>
               </a:ext>
             </a:extLst>
           </p:cNvPr>
@@ -661,7 +662,7 @@
           <p:cNvPr id="4" name="날짜 개체 틀 3">
             <a:extLst>
               <a:ext uri="{FF2B5EF4-FFF2-40B4-BE49-F238E27FC236}">
-                <a16:creationId xmlns:a16="http://schemas.microsoft.com/office/drawing/2014/main" xmlns="" id="{E4DCDBCB-275B-433F-BE30-6E42510675C8}"/>
+                <a16:creationId xmlns="" xmlns:a16="http://schemas.microsoft.com/office/drawing/2014/main" id="{E4DCDBCB-275B-433F-BE30-6E42510675C8}"/>
               </a:ext>
             </a:extLst>
           </p:cNvPr>
@@ -690,7 +691,7 @@
           <p:cNvPr id="5" name="바닥글 개체 틀 4">
             <a:extLst>
               <a:ext uri="{FF2B5EF4-FFF2-40B4-BE49-F238E27FC236}">
-                <a16:creationId xmlns:a16="http://schemas.microsoft.com/office/drawing/2014/main" xmlns="" id="{F3D0341D-0F01-4AE9-B7B4-C57EDBF36C8A}"/>
+                <a16:creationId xmlns="" xmlns:a16="http://schemas.microsoft.com/office/drawing/2014/main" id="{F3D0341D-0F01-4AE9-B7B4-C57EDBF36C8A}"/>
               </a:ext>
             </a:extLst>
           </p:cNvPr>
@@ -715,7 +716,7 @@
           <p:cNvPr id="6" name="슬라이드 번호 개체 틀 5">
             <a:extLst>
               <a:ext uri="{FF2B5EF4-FFF2-40B4-BE49-F238E27FC236}">
-                <a16:creationId xmlns:a16="http://schemas.microsoft.com/office/drawing/2014/main" xmlns="" id="{D8BCF81B-250D-4050-BC93-E1B70499DEAE}"/>
+                <a16:creationId xmlns="" xmlns:a16="http://schemas.microsoft.com/office/drawing/2014/main" id="{D8BCF81B-250D-4050-BC93-E1B70499DEAE}"/>
               </a:ext>
             </a:extLst>
           </p:cNvPr>
@@ -774,7 +775,7 @@
           <p:cNvPr id="2" name="제목 1">
             <a:extLst>
               <a:ext uri="{FF2B5EF4-FFF2-40B4-BE49-F238E27FC236}">
-                <a16:creationId xmlns:a16="http://schemas.microsoft.com/office/drawing/2014/main" xmlns="" id="{BA2FB840-512E-4505-985A-75DE679E68E3}"/>
+                <a16:creationId xmlns="" xmlns:a16="http://schemas.microsoft.com/office/drawing/2014/main" id="{BA2FB840-512E-4505-985A-75DE679E68E3}"/>
               </a:ext>
             </a:extLst>
           </p:cNvPr>
@@ -802,7 +803,7 @@
           <p:cNvPr id="3" name="내용 개체 틀 2">
             <a:extLst>
               <a:ext uri="{FF2B5EF4-FFF2-40B4-BE49-F238E27FC236}">
-                <a16:creationId xmlns:a16="http://schemas.microsoft.com/office/drawing/2014/main" xmlns="" id="{07C1FF23-E54F-4D4F-B63A-36DBA1B7839F}"/>
+                <a16:creationId xmlns="" xmlns:a16="http://schemas.microsoft.com/office/drawing/2014/main" id="{07C1FF23-E54F-4D4F-B63A-36DBA1B7839F}"/>
               </a:ext>
             </a:extLst>
           </p:cNvPr>
@@ -859,7 +860,7 @@
           <p:cNvPr id="4" name="날짜 개체 틀 3">
             <a:extLst>
               <a:ext uri="{FF2B5EF4-FFF2-40B4-BE49-F238E27FC236}">
-                <a16:creationId xmlns:a16="http://schemas.microsoft.com/office/drawing/2014/main" xmlns="" id="{D36C6CEE-FF9E-444E-9ABF-0057B10C3B60}"/>
+                <a16:creationId xmlns="" xmlns:a16="http://schemas.microsoft.com/office/drawing/2014/main" id="{D36C6CEE-FF9E-444E-9ABF-0057B10C3B60}"/>
               </a:ext>
             </a:extLst>
           </p:cNvPr>
@@ -888,7 +889,7 @@
           <p:cNvPr id="5" name="바닥글 개체 틀 4">
             <a:extLst>
               <a:ext uri="{FF2B5EF4-FFF2-40B4-BE49-F238E27FC236}">
-                <a16:creationId xmlns:a16="http://schemas.microsoft.com/office/drawing/2014/main" xmlns="" id="{B2454F85-5697-4000-8721-C0372D8347BD}"/>
+                <a16:creationId xmlns="" xmlns:a16="http://schemas.microsoft.com/office/drawing/2014/main" id="{B2454F85-5697-4000-8721-C0372D8347BD}"/>
               </a:ext>
             </a:extLst>
           </p:cNvPr>
@@ -913,7 +914,7 @@
           <p:cNvPr id="6" name="슬라이드 번호 개체 틀 5">
             <a:extLst>
               <a:ext uri="{FF2B5EF4-FFF2-40B4-BE49-F238E27FC236}">
-                <a16:creationId xmlns:a16="http://schemas.microsoft.com/office/drawing/2014/main" xmlns="" id="{64B1C4FE-72C8-4152-85EE-D6F5DCA0592F}"/>
+                <a16:creationId xmlns="" xmlns:a16="http://schemas.microsoft.com/office/drawing/2014/main" id="{64B1C4FE-72C8-4152-85EE-D6F5DCA0592F}"/>
               </a:ext>
             </a:extLst>
           </p:cNvPr>
@@ -972,7 +973,7 @@
           <p:cNvPr id="2" name="제목 1">
             <a:extLst>
               <a:ext uri="{FF2B5EF4-FFF2-40B4-BE49-F238E27FC236}">
-                <a16:creationId xmlns:a16="http://schemas.microsoft.com/office/drawing/2014/main" xmlns="" id="{CAEDD1C2-02F3-4DA2-A885-7664C0A11A8E}"/>
+                <a16:creationId xmlns="" xmlns:a16="http://schemas.microsoft.com/office/drawing/2014/main" id="{CAEDD1C2-02F3-4DA2-A885-7664C0A11A8E}"/>
               </a:ext>
             </a:extLst>
           </p:cNvPr>
@@ -1009,7 +1010,7 @@
           <p:cNvPr id="3" name="텍스트 개체 틀 2">
             <a:extLst>
               <a:ext uri="{FF2B5EF4-FFF2-40B4-BE49-F238E27FC236}">
-                <a16:creationId xmlns:a16="http://schemas.microsoft.com/office/drawing/2014/main" xmlns="" id="{42166E72-D926-48C0-8C3A-E740A8A89C41}"/>
+                <a16:creationId xmlns="" xmlns:a16="http://schemas.microsoft.com/office/drawing/2014/main" id="{42166E72-D926-48C0-8C3A-E740A8A89C41}"/>
               </a:ext>
             </a:extLst>
           </p:cNvPr>
@@ -1134,7 +1135,7 @@
           <p:cNvPr id="4" name="날짜 개체 틀 3">
             <a:extLst>
               <a:ext uri="{FF2B5EF4-FFF2-40B4-BE49-F238E27FC236}">
-                <a16:creationId xmlns:a16="http://schemas.microsoft.com/office/drawing/2014/main" xmlns="" id="{0DE87DF9-A051-4F2D-A3C5-E3C45C75BAB5}"/>
+                <a16:creationId xmlns="" xmlns:a16="http://schemas.microsoft.com/office/drawing/2014/main" id="{0DE87DF9-A051-4F2D-A3C5-E3C45C75BAB5}"/>
               </a:ext>
             </a:extLst>
           </p:cNvPr>
@@ -1163,7 +1164,7 @@
           <p:cNvPr id="5" name="바닥글 개체 틀 4">
             <a:extLst>
               <a:ext uri="{FF2B5EF4-FFF2-40B4-BE49-F238E27FC236}">
-                <a16:creationId xmlns:a16="http://schemas.microsoft.com/office/drawing/2014/main" xmlns="" id="{EDF747BD-0A74-473F-90E3-19429CA24A61}"/>
+                <a16:creationId xmlns="" xmlns:a16="http://schemas.microsoft.com/office/drawing/2014/main" id="{EDF747BD-0A74-473F-90E3-19429CA24A61}"/>
               </a:ext>
             </a:extLst>
           </p:cNvPr>
@@ -1188,7 +1189,7 @@
           <p:cNvPr id="6" name="슬라이드 번호 개체 틀 5">
             <a:extLst>
               <a:ext uri="{FF2B5EF4-FFF2-40B4-BE49-F238E27FC236}">
-                <a16:creationId xmlns:a16="http://schemas.microsoft.com/office/drawing/2014/main" xmlns="" id="{A90C40F3-1E1E-4697-AEE4-701C2B97BED9}"/>
+                <a16:creationId xmlns="" xmlns:a16="http://schemas.microsoft.com/office/drawing/2014/main" id="{A90C40F3-1E1E-4697-AEE4-701C2B97BED9}"/>
               </a:ext>
             </a:extLst>
           </p:cNvPr>
@@ -1247,7 +1248,7 @@
           <p:cNvPr id="2" name="제목 1">
             <a:extLst>
               <a:ext uri="{FF2B5EF4-FFF2-40B4-BE49-F238E27FC236}">
-                <a16:creationId xmlns:a16="http://schemas.microsoft.com/office/drawing/2014/main" xmlns="" id="{37080DB4-39D7-41D5-BA6E-A63D64BF561A}"/>
+                <a16:creationId xmlns="" xmlns:a16="http://schemas.microsoft.com/office/drawing/2014/main" id="{37080DB4-39D7-41D5-BA6E-A63D64BF561A}"/>
               </a:ext>
             </a:extLst>
           </p:cNvPr>
@@ -1275,7 +1276,7 @@
           <p:cNvPr id="3" name="내용 개체 틀 2">
             <a:extLst>
               <a:ext uri="{FF2B5EF4-FFF2-40B4-BE49-F238E27FC236}">
-                <a16:creationId xmlns:a16="http://schemas.microsoft.com/office/drawing/2014/main" xmlns="" id="{E195B54C-0EA0-438E-A055-A4374F87D58B}"/>
+                <a16:creationId xmlns="" xmlns:a16="http://schemas.microsoft.com/office/drawing/2014/main" id="{E195B54C-0EA0-438E-A055-A4374F87D58B}"/>
               </a:ext>
             </a:extLst>
           </p:cNvPr>
@@ -1337,7 +1338,7 @@
           <p:cNvPr id="4" name="내용 개체 틀 3">
             <a:extLst>
               <a:ext uri="{FF2B5EF4-FFF2-40B4-BE49-F238E27FC236}">
-                <a16:creationId xmlns:a16="http://schemas.microsoft.com/office/drawing/2014/main" xmlns="" id="{983069C1-5E54-4D7E-A191-11CF2AC4FBF8}"/>
+                <a16:creationId xmlns="" xmlns:a16="http://schemas.microsoft.com/office/drawing/2014/main" id="{983069C1-5E54-4D7E-A191-11CF2AC4FBF8}"/>
               </a:ext>
             </a:extLst>
           </p:cNvPr>
@@ -1399,7 +1400,7 @@
           <p:cNvPr id="5" name="날짜 개체 틀 4">
             <a:extLst>
               <a:ext uri="{FF2B5EF4-FFF2-40B4-BE49-F238E27FC236}">
-                <a16:creationId xmlns:a16="http://schemas.microsoft.com/office/drawing/2014/main" xmlns="" id="{F1C4E0AD-4973-44FD-BFBF-54230A8E446D}"/>
+                <a16:creationId xmlns="" xmlns:a16="http://schemas.microsoft.com/office/drawing/2014/main" id="{F1C4E0AD-4973-44FD-BFBF-54230A8E446D}"/>
               </a:ext>
             </a:extLst>
           </p:cNvPr>
@@ -1428,7 +1429,7 @@
           <p:cNvPr id="6" name="바닥글 개체 틀 5">
             <a:extLst>
               <a:ext uri="{FF2B5EF4-FFF2-40B4-BE49-F238E27FC236}">
-                <a16:creationId xmlns:a16="http://schemas.microsoft.com/office/drawing/2014/main" xmlns="" id="{836E0AFF-6BE0-43FE-B443-F339330C6310}"/>
+                <a16:creationId xmlns="" xmlns:a16="http://schemas.microsoft.com/office/drawing/2014/main" id="{836E0AFF-6BE0-43FE-B443-F339330C6310}"/>
               </a:ext>
             </a:extLst>
           </p:cNvPr>
@@ -1453,7 +1454,7 @@
           <p:cNvPr id="7" name="슬라이드 번호 개체 틀 6">
             <a:extLst>
               <a:ext uri="{FF2B5EF4-FFF2-40B4-BE49-F238E27FC236}">
-                <a16:creationId xmlns:a16="http://schemas.microsoft.com/office/drawing/2014/main" xmlns="" id="{3FFF3CA4-9313-4FA6-AE06-8D5160C4F832}"/>
+                <a16:creationId xmlns="" xmlns:a16="http://schemas.microsoft.com/office/drawing/2014/main" id="{3FFF3CA4-9313-4FA6-AE06-8D5160C4F832}"/>
               </a:ext>
             </a:extLst>
           </p:cNvPr>
@@ -1512,7 +1513,7 @@
           <p:cNvPr id="2" name="제목 1">
             <a:extLst>
               <a:ext uri="{FF2B5EF4-FFF2-40B4-BE49-F238E27FC236}">
-                <a16:creationId xmlns:a16="http://schemas.microsoft.com/office/drawing/2014/main" xmlns="" id="{FB0C77DC-5FAE-4D14-B21A-78222D5A9E50}"/>
+                <a16:creationId xmlns="" xmlns:a16="http://schemas.microsoft.com/office/drawing/2014/main" id="{FB0C77DC-5FAE-4D14-B21A-78222D5A9E50}"/>
               </a:ext>
             </a:extLst>
           </p:cNvPr>
@@ -1545,7 +1546,7 @@
           <p:cNvPr id="3" name="텍스트 개체 틀 2">
             <a:extLst>
               <a:ext uri="{FF2B5EF4-FFF2-40B4-BE49-F238E27FC236}">
-                <a16:creationId xmlns:a16="http://schemas.microsoft.com/office/drawing/2014/main" xmlns="" id="{50F9A042-7A72-406C-9F17-ED7C9E9753C6}"/>
+                <a16:creationId xmlns="" xmlns:a16="http://schemas.microsoft.com/office/drawing/2014/main" id="{50F9A042-7A72-406C-9F17-ED7C9E9753C6}"/>
               </a:ext>
             </a:extLst>
           </p:cNvPr>
@@ -1616,7 +1617,7 @@
           <p:cNvPr id="4" name="내용 개체 틀 3">
             <a:extLst>
               <a:ext uri="{FF2B5EF4-FFF2-40B4-BE49-F238E27FC236}">
-                <a16:creationId xmlns:a16="http://schemas.microsoft.com/office/drawing/2014/main" xmlns="" id="{1DBD2C29-65DF-48EB-924B-9887227DC3E3}"/>
+                <a16:creationId xmlns="" xmlns:a16="http://schemas.microsoft.com/office/drawing/2014/main" id="{1DBD2C29-65DF-48EB-924B-9887227DC3E3}"/>
               </a:ext>
             </a:extLst>
           </p:cNvPr>
@@ -1678,7 +1679,7 @@
           <p:cNvPr id="5" name="텍스트 개체 틀 4">
             <a:extLst>
               <a:ext uri="{FF2B5EF4-FFF2-40B4-BE49-F238E27FC236}">
-                <a16:creationId xmlns:a16="http://schemas.microsoft.com/office/drawing/2014/main" xmlns="" id="{0CDC102D-BC4A-4312-B667-DAC625C04501}"/>
+                <a16:creationId xmlns="" xmlns:a16="http://schemas.microsoft.com/office/drawing/2014/main" id="{0CDC102D-BC4A-4312-B667-DAC625C04501}"/>
               </a:ext>
             </a:extLst>
           </p:cNvPr>
@@ -1749,7 +1750,7 @@
           <p:cNvPr id="6" name="내용 개체 틀 5">
             <a:extLst>
               <a:ext uri="{FF2B5EF4-FFF2-40B4-BE49-F238E27FC236}">
-                <a16:creationId xmlns:a16="http://schemas.microsoft.com/office/drawing/2014/main" xmlns="" id="{1A3240D1-64CF-4CE7-A5A5-15C3C75441E6}"/>
+                <a16:creationId xmlns="" xmlns:a16="http://schemas.microsoft.com/office/drawing/2014/main" id="{1A3240D1-64CF-4CE7-A5A5-15C3C75441E6}"/>
               </a:ext>
             </a:extLst>
           </p:cNvPr>
@@ -1811,7 +1812,7 @@
           <p:cNvPr id="7" name="날짜 개체 틀 6">
             <a:extLst>
               <a:ext uri="{FF2B5EF4-FFF2-40B4-BE49-F238E27FC236}">
-                <a16:creationId xmlns:a16="http://schemas.microsoft.com/office/drawing/2014/main" xmlns="" id="{927CF95E-753F-4177-AB9D-5F0813B44A6A}"/>
+                <a16:creationId xmlns="" xmlns:a16="http://schemas.microsoft.com/office/drawing/2014/main" id="{927CF95E-753F-4177-AB9D-5F0813B44A6A}"/>
               </a:ext>
             </a:extLst>
           </p:cNvPr>
@@ -1840,7 +1841,7 @@
           <p:cNvPr id="8" name="바닥글 개체 틀 7">
             <a:extLst>
               <a:ext uri="{FF2B5EF4-FFF2-40B4-BE49-F238E27FC236}">
-                <a16:creationId xmlns:a16="http://schemas.microsoft.com/office/drawing/2014/main" xmlns="" id="{6F216BA8-068E-409E-BC24-EA35A1721B88}"/>
+                <a16:creationId xmlns="" xmlns:a16="http://schemas.microsoft.com/office/drawing/2014/main" id="{6F216BA8-068E-409E-BC24-EA35A1721B88}"/>
               </a:ext>
             </a:extLst>
           </p:cNvPr>
@@ -1865,7 +1866,7 @@
           <p:cNvPr id="9" name="슬라이드 번호 개체 틀 8">
             <a:extLst>
               <a:ext uri="{FF2B5EF4-FFF2-40B4-BE49-F238E27FC236}">
-                <a16:creationId xmlns:a16="http://schemas.microsoft.com/office/drawing/2014/main" xmlns="" id="{25D5C0BF-E721-40F6-9F58-1E31D9717418}"/>
+                <a16:creationId xmlns="" xmlns:a16="http://schemas.microsoft.com/office/drawing/2014/main" id="{25D5C0BF-E721-40F6-9F58-1E31D9717418}"/>
               </a:ext>
             </a:extLst>
           </p:cNvPr>
@@ -1924,7 +1925,7 @@
           <p:cNvPr id="2" name="제목 1">
             <a:extLst>
               <a:ext uri="{FF2B5EF4-FFF2-40B4-BE49-F238E27FC236}">
-                <a16:creationId xmlns:a16="http://schemas.microsoft.com/office/drawing/2014/main" xmlns="" id="{B22F070A-77F7-49B8-B9F1-D3CA55C23DBC}"/>
+                <a16:creationId xmlns="" xmlns:a16="http://schemas.microsoft.com/office/drawing/2014/main" id="{B22F070A-77F7-49B8-B9F1-D3CA55C23DBC}"/>
               </a:ext>
             </a:extLst>
           </p:cNvPr>
@@ -1952,7 +1953,7 @@
           <p:cNvPr id="3" name="날짜 개체 틀 2">
             <a:extLst>
               <a:ext uri="{FF2B5EF4-FFF2-40B4-BE49-F238E27FC236}">
-                <a16:creationId xmlns:a16="http://schemas.microsoft.com/office/drawing/2014/main" xmlns="" id="{7FB0BC8D-3E1C-43DB-9B89-13D9301F979C}"/>
+                <a16:creationId xmlns="" xmlns:a16="http://schemas.microsoft.com/office/drawing/2014/main" id="{7FB0BC8D-3E1C-43DB-9B89-13D9301F979C}"/>
               </a:ext>
             </a:extLst>
           </p:cNvPr>
@@ -1981,7 +1982,7 @@
           <p:cNvPr id="4" name="바닥글 개체 틀 3">
             <a:extLst>
               <a:ext uri="{FF2B5EF4-FFF2-40B4-BE49-F238E27FC236}">
-                <a16:creationId xmlns:a16="http://schemas.microsoft.com/office/drawing/2014/main" xmlns="" id="{C1946223-E9B6-444B-AEA8-B9F2F1BA376A}"/>
+                <a16:creationId xmlns="" xmlns:a16="http://schemas.microsoft.com/office/drawing/2014/main" id="{C1946223-E9B6-444B-AEA8-B9F2F1BA376A}"/>
               </a:ext>
             </a:extLst>
           </p:cNvPr>
@@ -2006,7 +2007,7 @@
           <p:cNvPr id="5" name="슬라이드 번호 개체 틀 4">
             <a:extLst>
               <a:ext uri="{FF2B5EF4-FFF2-40B4-BE49-F238E27FC236}">
-                <a16:creationId xmlns:a16="http://schemas.microsoft.com/office/drawing/2014/main" xmlns="" id="{467707C3-FD62-4B1B-91D6-FA4FC6C6E201}"/>
+                <a16:creationId xmlns="" xmlns:a16="http://schemas.microsoft.com/office/drawing/2014/main" id="{467707C3-FD62-4B1B-91D6-FA4FC6C6E201}"/>
               </a:ext>
             </a:extLst>
           </p:cNvPr>
@@ -2065,7 +2066,7 @@
           <p:cNvPr id="2" name="날짜 개체 틀 1">
             <a:extLst>
               <a:ext uri="{FF2B5EF4-FFF2-40B4-BE49-F238E27FC236}">
-                <a16:creationId xmlns:a16="http://schemas.microsoft.com/office/drawing/2014/main" xmlns="" id="{B7F731D6-8596-4C9C-993E-CCB811696F65}"/>
+                <a16:creationId xmlns="" xmlns:a16="http://schemas.microsoft.com/office/drawing/2014/main" id="{B7F731D6-8596-4C9C-993E-CCB811696F65}"/>
               </a:ext>
             </a:extLst>
           </p:cNvPr>
@@ -2094,7 +2095,7 @@
           <p:cNvPr id="3" name="바닥글 개체 틀 2">
             <a:extLst>
               <a:ext uri="{FF2B5EF4-FFF2-40B4-BE49-F238E27FC236}">
-                <a16:creationId xmlns:a16="http://schemas.microsoft.com/office/drawing/2014/main" xmlns="" id="{78E16242-AEFB-4975-81A5-8C8812B73FBB}"/>
+                <a16:creationId xmlns="" xmlns:a16="http://schemas.microsoft.com/office/drawing/2014/main" id="{78E16242-AEFB-4975-81A5-8C8812B73FBB}"/>
               </a:ext>
             </a:extLst>
           </p:cNvPr>
@@ -2119,7 +2120,7 @@
           <p:cNvPr id="4" name="슬라이드 번호 개체 틀 3">
             <a:extLst>
               <a:ext uri="{FF2B5EF4-FFF2-40B4-BE49-F238E27FC236}">
-                <a16:creationId xmlns:a16="http://schemas.microsoft.com/office/drawing/2014/main" xmlns="" id="{59F1C582-B8AF-4595-A171-2B14F54D8FA3}"/>
+                <a16:creationId xmlns="" xmlns:a16="http://schemas.microsoft.com/office/drawing/2014/main" id="{59F1C582-B8AF-4595-A171-2B14F54D8FA3}"/>
               </a:ext>
             </a:extLst>
           </p:cNvPr>
@@ -2178,7 +2179,7 @@
           <p:cNvPr id="2" name="제목 1">
             <a:extLst>
               <a:ext uri="{FF2B5EF4-FFF2-40B4-BE49-F238E27FC236}">
-                <a16:creationId xmlns:a16="http://schemas.microsoft.com/office/drawing/2014/main" xmlns="" id="{C9BF61FD-507F-4B5E-BD98-C5A7D5CC38AE}"/>
+                <a16:creationId xmlns="" xmlns:a16="http://schemas.microsoft.com/office/drawing/2014/main" id="{C9BF61FD-507F-4B5E-BD98-C5A7D5CC38AE}"/>
               </a:ext>
             </a:extLst>
           </p:cNvPr>
@@ -2215,7 +2216,7 @@
           <p:cNvPr id="3" name="내용 개체 틀 2">
             <a:extLst>
               <a:ext uri="{FF2B5EF4-FFF2-40B4-BE49-F238E27FC236}">
-                <a16:creationId xmlns:a16="http://schemas.microsoft.com/office/drawing/2014/main" xmlns="" id="{1E425C21-FAF4-49D2-9989-D6DD17CA2523}"/>
+                <a16:creationId xmlns="" xmlns:a16="http://schemas.microsoft.com/office/drawing/2014/main" id="{1E425C21-FAF4-49D2-9989-D6DD17CA2523}"/>
               </a:ext>
             </a:extLst>
           </p:cNvPr>
@@ -2305,7 +2306,7 @@
           <p:cNvPr id="4" name="텍스트 개체 틀 3">
             <a:extLst>
               <a:ext uri="{FF2B5EF4-FFF2-40B4-BE49-F238E27FC236}">
-                <a16:creationId xmlns:a16="http://schemas.microsoft.com/office/drawing/2014/main" xmlns="" id="{E48BC943-043B-4A5A-BE6D-B149A5FFDD03}"/>
+                <a16:creationId xmlns="" xmlns:a16="http://schemas.microsoft.com/office/drawing/2014/main" id="{E48BC943-043B-4A5A-BE6D-B149A5FFDD03}"/>
               </a:ext>
             </a:extLst>
           </p:cNvPr>
@@ -2376,7 +2377,7 @@
           <p:cNvPr id="5" name="날짜 개체 틀 4">
             <a:extLst>
               <a:ext uri="{FF2B5EF4-FFF2-40B4-BE49-F238E27FC236}">
-                <a16:creationId xmlns:a16="http://schemas.microsoft.com/office/drawing/2014/main" xmlns="" id="{B7C7821E-2448-461B-9B26-F8AAD03BAFD8}"/>
+                <a16:creationId xmlns="" xmlns:a16="http://schemas.microsoft.com/office/drawing/2014/main" id="{B7C7821E-2448-461B-9B26-F8AAD03BAFD8}"/>
               </a:ext>
             </a:extLst>
           </p:cNvPr>
@@ -2405,7 +2406,7 @@
           <p:cNvPr id="6" name="바닥글 개체 틀 5">
             <a:extLst>
               <a:ext uri="{FF2B5EF4-FFF2-40B4-BE49-F238E27FC236}">
-                <a16:creationId xmlns:a16="http://schemas.microsoft.com/office/drawing/2014/main" xmlns="" id="{137F8304-3E36-4CB4-8982-BECCC4CE819A}"/>
+                <a16:creationId xmlns="" xmlns:a16="http://schemas.microsoft.com/office/drawing/2014/main" id="{137F8304-3E36-4CB4-8982-BECCC4CE819A}"/>
               </a:ext>
             </a:extLst>
           </p:cNvPr>
@@ -2430,7 +2431,7 @@
           <p:cNvPr id="7" name="슬라이드 번호 개체 틀 6">
             <a:extLst>
               <a:ext uri="{FF2B5EF4-FFF2-40B4-BE49-F238E27FC236}">
-                <a16:creationId xmlns:a16="http://schemas.microsoft.com/office/drawing/2014/main" xmlns="" id="{89C211E9-03FA-4D55-A9CD-D784E372526F}"/>
+                <a16:creationId xmlns="" xmlns:a16="http://schemas.microsoft.com/office/drawing/2014/main" id="{89C211E9-03FA-4D55-A9CD-D784E372526F}"/>
               </a:ext>
             </a:extLst>
           </p:cNvPr>
@@ -2489,7 +2490,7 @@
           <p:cNvPr id="2" name="제목 1">
             <a:extLst>
               <a:ext uri="{FF2B5EF4-FFF2-40B4-BE49-F238E27FC236}">
-                <a16:creationId xmlns:a16="http://schemas.microsoft.com/office/drawing/2014/main" xmlns="" id="{5F8B1757-AE24-419D-AE74-A8F53F6EE8DC}"/>
+                <a16:creationId xmlns="" xmlns:a16="http://schemas.microsoft.com/office/drawing/2014/main" id="{5F8B1757-AE24-419D-AE74-A8F53F6EE8DC}"/>
               </a:ext>
             </a:extLst>
           </p:cNvPr>
@@ -2526,7 +2527,7 @@
           <p:cNvPr id="3" name="그림 개체 틀 2">
             <a:extLst>
               <a:ext uri="{FF2B5EF4-FFF2-40B4-BE49-F238E27FC236}">
-                <a16:creationId xmlns:a16="http://schemas.microsoft.com/office/drawing/2014/main" xmlns="" id="{D5D6F092-0E17-4D2B-83D2-C5215A3558E1}"/>
+                <a16:creationId xmlns="" xmlns:a16="http://schemas.microsoft.com/office/drawing/2014/main" id="{D5D6F092-0E17-4D2B-83D2-C5215A3558E1}"/>
               </a:ext>
             </a:extLst>
           </p:cNvPr>
@@ -2593,7 +2594,7 @@
           <p:cNvPr id="4" name="텍스트 개체 틀 3">
             <a:extLst>
               <a:ext uri="{FF2B5EF4-FFF2-40B4-BE49-F238E27FC236}">
-                <a16:creationId xmlns:a16="http://schemas.microsoft.com/office/drawing/2014/main" xmlns="" id="{D44A76DF-9721-4B73-85C0-179723757439}"/>
+                <a16:creationId xmlns="" xmlns:a16="http://schemas.microsoft.com/office/drawing/2014/main" id="{D44A76DF-9721-4B73-85C0-179723757439}"/>
               </a:ext>
             </a:extLst>
           </p:cNvPr>
@@ -2664,7 +2665,7 @@
           <p:cNvPr id="5" name="날짜 개체 틀 4">
             <a:extLst>
               <a:ext uri="{FF2B5EF4-FFF2-40B4-BE49-F238E27FC236}">
-                <a16:creationId xmlns:a16="http://schemas.microsoft.com/office/drawing/2014/main" xmlns="" id="{0840FA35-1FD8-4360-8FD6-AD2D8BC383EB}"/>
+                <a16:creationId xmlns="" xmlns:a16="http://schemas.microsoft.com/office/drawing/2014/main" id="{0840FA35-1FD8-4360-8FD6-AD2D8BC383EB}"/>
               </a:ext>
             </a:extLst>
           </p:cNvPr>
@@ -2693,7 +2694,7 @@
           <p:cNvPr id="6" name="바닥글 개체 틀 5">
             <a:extLst>
               <a:ext uri="{FF2B5EF4-FFF2-40B4-BE49-F238E27FC236}">
-                <a16:creationId xmlns:a16="http://schemas.microsoft.com/office/drawing/2014/main" xmlns="" id="{E435FA7C-8648-4BA3-ADDB-43D7A0281867}"/>
+                <a16:creationId xmlns="" xmlns:a16="http://schemas.microsoft.com/office/drawing/2014/main" id="{E435FA7C-8648-4BA3-ADDB-43D7A0281867}"/>
               </a:ext>
             </a:extLst>
           </p:cNvPr>
@@ -2718,7 +2719,7 @@
           <p:cNvPr id="7" name="슬라이드 번호 개체 틀 6">
             <a:extLst>
               <a:ext uri="{FF2B5EF4-FFF2-40B4-BE49-F238E27FC236}">
-                <a16:creationId xmlns:a16="http://schemas.microsoft.com/office/drawing/2014/main" xmlns="" id="{1AD72631-82BB-4D31-9595-953D8D4EB169}"/>
+                <a16:creationId xmlns="" xmlns:a16="http://schemas.microsoft.com/office/drawing/2014/main" id="{1AD72631-82BB-4D31-9595-953D8D4EB169}"/>
               </a:ext>
             </a:extLst>
           </p:cNvPr>
@@ -2782,7 +2783,7 @@
           <p:cNvPr id="2" name="제목 개체 틀 1">
             <a:extLst>
               <a:ext uri="{FF2B5EF4-FFF2-40B4-BE49-F238E27FC236}">
-                <a16:creationId xmlns:a16="http://schemas.microsoft.com/office/drawing/2014/main" xmlns="" id="{A9D3F7E4-51AB-4167-9E12-EA390F3E3452}"/>
+                <a16:creationId xmlns="" xmlns:a16="http://schemas.microsoft.com/office/drawing/2014/main" id="{A9D3F7E4-51AB-4167-9E12-EA390F3E3452}"/>
               </a:ext>
             </a:extLst>
           </p:cNvPr>
@@ -2820,7 +2821,7 @@
           <p:cNvPr id="3" name="텍스트 개체 틀 2">
             <a:extLst>
               <a:ext uri="{FF2B5EF4-FFF2-40B4-BE49-F238E27FC236}">
-                <a16:creationId xmlns:a16="http://schemas.microsoft.com/office/drawing/2014/main" xmlns="" id="{717CA853-0EE5-4ED2-8740-C3C60FE21590}"/>
+                <a16:creationId xmlns="" xmlns:a16="http://schemas.microsoft.com/office/drawing/2014/main" id="{717CA853-0EE5-4ED2-8740-C3C60FE21590}"/>
               </a:ext>
             </a:extLst>
           </p:cNvPr>
@@ -2887,7 +2888,7 @@
           <p:cNvPr id="4" name="날짜 개체 틀 3">
             <a:extLst>
               <a:ext uri="{FF2B5EF4-FFF2-40B4-BE49-F238E27FC236}">
-                <a16:creationId xmlns:a16="http://schemas.microsoft.com/office/drawing/2014/main" xmlns="" id="{8B01B229-7B4F-4BA7-A1D4-D5B2BBEB0760}"/>
+                <a16:creationId xmlns="" xmlns:a16="http://schemas.microsoft.com/office/drawing/2014/main" id="{8B01B229-7B4F-4BA7-A1D4-D5B2BBEB0760}"/>
               </a:ext>
             </a:extLst>
           </p:cNvPr>
@@ -2934,7 +2935,7 @@
           <p:cNvPr id="5" name="바닥글 개체 틀 4">
             <a:extLst>
               <a:ext uri="{FF2B5EF4-FFF2-40B4-BE49-F238E27FC236}">
-                <a16:creationId xmlns:a16="http://schemas.microsoft.com/office/drawing/2014/main" xmlns="" id="{D8E20318-D02A-4F5A-8616-CCF980E3D9D2}"/>
+                <a16:creationId xmlns="" xmlns:a16="http://schemas.microsoft.com/office/drawing/2014/main" id="{D8E20318-D02A-4F5A-8616-CCF980E3D9D2}"/>
               </a:ext>
             </a:extLst>
           </p:cNvPr>
@@ -2977,7 +2978,7 @@
           <p:cNvPr id="6" name="슬라이드 번호 개체 틀 5">
             <a:extLst>
               <a:ext uri="{FF2B5EF4-FFF2-40B4-BE49-F238E27FC236}">
-                <a16:creationId xmlns:a16="http://schemas.microsoft.com/office/drawing/2014/main" xmlns="" id="{27208EFB-E6AE-4B59-B240-F614C274E299}"/>
+                <a16:creationId xmlns="" xmlns:a16="http://schemas.microsoft.com/office/drawing/2014/main" id="{27208EFB-E6AE-4B59-B240-F614C274E299}"/>
               </a:ext>
             </a:extLst>
           </p:cNvPr>
@@ -3345,7 +3346,7 @@
           <p:cNvPr id="5" name="그림 4">
             <a:extLst>
               <a:ext uri="{FF2B5EF4-FFF2-40B4-BE49-F238E27FC236}">
-                <a16:creationId xmlns:a16="http://schemas.microsoft.com/office/drawing/2014/main" xmlns="" id="{53011F94-F5CA-4587-9818-111F00115EA0}"/>
+                <a16:creationId xmlns="" xmlns:a16="http://schemas.microsoft.com/office/drawing/2014/main" id="{53011F94-F5CA-4587-9818-111F00115EA0}"/>
               </a:ext>
             </a:extLst>
           </p:cNvPr>
@@ -3381,7 +3382,7 @@
           <p:cNvPr id="7" name="그림 6">
             <a:extLst>
               <a:ext uri="{FF2B5EF4-FFF2-40B4-BE49-F238E27FC236}">
-                <a16:creationId xmlns:a16="http://schemas.microsoft.com/office/drawing/2014/main" xmlns="" id="{F18F73D9-4D35-4E3C-B243-9EB12EBFB40F}"/>
+                <a16:creationId xmlns="" xmlns:a16="http://schemas.microsoft.com/office/drawing/2014/main" id="{F18F73D9-4D35-4E3C-B243-9EB12EBFB40F}"/>
               </a:ext>
             </a:extLst>
           </p:cNvPr>
@@ -3417,7 +3418,7 @@
           <p:cNvPr id="8" name="TextBox 7">
             <a:extLst>
               <a:ext uri="{FF2B5EF4-FFF2-40B4-BE49-F238E27FC236}">
-                <a16:creationId xmlns:a16="http://schemas.microsoft.com/office/drawing/2014/main" xmlns="" id="{769B852F-94D0-4A4D-B15D-89180B053923}"/>
+                <a16:creationId xmlns="" xmlns:a16="http://schemas.microsoft.com/office/drawing/2014/main" id="{769B852F-94D0-4A4D-B15D-89180B053923}"/>
               </a:ext>
             </a:extLst>
           </p:cNvPr>
@@ -3455,7 +3456,7 @@
           <p:cNvPr id="9" name="TextBox 8">
             <a:extLst>
               <a:ext uri="{FF2B5EF4-FFF2-40B4-BE49-F238E27FC236}">
-                <a16:creationId xmlns:a16="http://schemas.microsoft.com/office/drawing/2014/main" xmlns="" id="{CACEB384-C889-46C4-A333-D453BDA02055}"/>
+                <a16:creationId xmlns="" xmlns:a16="http://schemas.microsoft.com/office/drawing/2014/main" id="{CACEB384-C889-46C4-A333-D453BDA02055}"/>
               </a:ext>
             </a:extLst>
           </p:cNvPr>
@@ -3754,7 +3755,7 @@
           <p:cNvPr id="12" name="그룹 11">
             <a:extLst>
               <a:ext uri="{FF2B5EF4-FFF2-40B4-BE49-F238E27FC236}">
-                <a16:creationId xmlns:a16="http://schemas.microsoft.com/office/drawing/2014/main" xmlns="" id="{7DE7243B-D314-42C0-8CA9-A001819FE4DE}"/>
+                <a16:creationId xmlns="" xmlns:a16="http://schemas.microsoft.com/office/drawing/2014/main" id="{7DE7243B-D314-42C0-8CA9-A001819FE4DE}"/>
               </a:ext>
             </a:extLst>
           </p:cNvPr>
@@ -3774,7 +3775,7 @@
             <p:cNvPr id="6" name="사각형: 둥근 모서리 5">
               <a:extLst>
                 <a:ext uri="{FF2B5EF4-FFF2-40B4-BE49-F238E27FC236}">
-                  <a16:creationId xmlns:a16="http://schemas.microsoft.com/office/drawing/2014/main" xmlns="" id="{90CAC64E-5177-4C5D-B42F-91440DA84414}"/>
+                  <a16:creationId xmlns="" xmlns:a16="http://schemas.microsoft.com/office/drawing/2014/main" id="{90CAC64E-5177-4C5D-B42F-91440DA84414}"/>
                 </a:ext>
               </a:extLst>
             </p:cNvPr>
@@ -3828,7 +3829,7 @@
             <p:cNvPr id="5" name="그림 4">
               <a:extLst>
                 <a:ext uri="{FF2B5EF4-FFF2-40B4-BE49-F238E27FC236}">
-                  <a16:creationId xmlns:a16="http://schemas.microsoft.com/office/drawing/2014/main" xmlns="" id="{4B06A96A-55DE-4B41-AEFF-8013F1D0B2BB}"/>
+                  <a16:creationId xmlns="" xmlns:a16="http://schemas.microsoft.com/office/drawing/2014/main" id="{4B06A96A-55DE-4B41-AEFF-8013F1D0B2BB}"/>
                 </a:ext>
               </a:extLst>
             </p:cNvPr>
@@ -3865,7 +3866,7 @@
           <p:cNvPr id="10" name="TextBox 9">
             <a:extLst>
               <a:ext uri="{FF2B5EF4-FFF2-40B4-BE49-F238E27FC236}">
-                <a16:creationId xmlns:a16="http://schemas.microsoft.com/office/drawing/2014/main" xmlns="" id="{204C0F3D-7DE1-45C7-8CEF-B4BADA5C294D}"/>
+                <a16:creationId xmlns="" xmlns:a16="http://schemas.microsoft.com/office/drawing/2014/main" id="{204C0F3D-7DE1-45C7-8CEF-B4BADA5C294D}"/>
               </a:ext>
             </a:extLst>
           </p:cNvPr>
@@ -4078,7 +4079,7 @@
           <p:cNvPr id="7" name="그룹 6">
             <a:extLst>
               <a:ext uri="{FF2B5EF4-FFF2-40B4-BE49-F238E27FC236}">
-                <a16:creationId xmlns:a16="http://schemas.microsoft.com/office/drawing/2014/main" xmlns="" id="{D2A7C909-9ACD-4AC8-9620-8D0FCDA4C740}"/>
+                <a16:creationId xmlns="" xmlns:a16="http://schemas.microsoft.com/office/drawing/2014/main" id="{D2A7C909-9ACD-4AC8-9620-8D0FCDA4C740}"/>
               </a:ext>
             </a:extLst>
           </p:cNvPr>
@@ -4098,7 +4099,7 @@
             <p:cNvPr id="6" name="그림 5">
               <a:extLst>
                 <a:ext uri="{FF2B5EF4-FFF2-40B4-BE49-F238E27FC236}">
-                  <a16:creationId xmlns:a16="http://schemas.microsoft.com/office/drawing/2014/main" xmlns="" id="{704F0063-52D2-463D-8C31-A2F9BF596724}"/>
+                  <a16:creationId xmlns="" xmlns:a16="http://schemas.microsoft.com/office/drawing/2014/main" id="{704F0063-52D2-463D-8C31-A2F9BF596724}"/>
                 </a:ext>
               </a:extLst>
             </p:cNvPr>
@@ -4134,7 +4135,7 @@
             <p:cNvPr id="3" name="그림 2">
               <a:extLst>
                 <a:ext uri="{FF2B5EF4-FFF2-40B4-BE49-F238E27FC236}">
-                  <a16:creationId xmlns:a16="http://schemas.microsoft.com/office/drawing/2014/main" xmlns="" id="{100694FC-E00C-4D21-859F-A73EA5D92F86}"/>
+                  <a16:creationId xmlns="" xmlns:a16="http://schemas.microsoft.com/office/drawing/2014/main" id="{100694FC-E00C-4D21-859F-A73EA5D92F86}"/>
                 </a:ext>
               </a:extLst>
             </p:cNvPr>
@@ -4171,7 +4172,7 @@
           <p:cNvPr id="5" name="그룹 4">
             <a:extLst>
               <a:ext uri="{FF2B5EF4-FFF2-40B4-BE49-F238E27FC236}">
-                <a16:creationId xmlns:a16="http://schemas.microsoft.com/office/drawing/2014/main" xmlns="" id="{07C6D303-711E-4476-838F-05DA98E48DB1}"/>
+                <a16:creationId xmlns="" xmlns:a16="http://schemas.microsoft.com/office/drawing/2014/main" id="{07C6D303-711E-4476-838F-05DA98E48DB1}"/>
               </a:ext>
             </a:extLst>
           </p:cNvPr>
@@ -4191,7 +4192,7 @@
             <p:cNvPr id="4" name="그림 3">
               <a:extLst>
                 <a:ext uri="{FF2B5EF4-FFF2-40B4-BE49-F238E27FC236}">
-                  <a16:creationId xmlns:a16="http://schemas.microsoft.com/office/drawing/2014/main" xmlns="" id="{5CCB12B1-4613-4C42-BFDA-9C788C5238A0}"/>
+                  <a16:creationId xmlns="" xmlns:a16="http://schemas.microsoft.com/office/drawing/2014/main" id="{5CCB12B1-4613-4C42-BFDA-9C788C5238A0}"/>
                 </a:ext>
               </a:extLst>
             </p:cNvPr>
@@ -4227,7 +4228,7 @@
             <p:cNvPr id="18" name="그림 17">
               <a:extLst>
                 <a:ext uri="{FF2B5EF4-FFF2-40B4-BE49-F238E27FC236}">
-                  <a16:creationId xmlns:a16="http://schemas.microsoft.com/office/drawing/2014/main" xmlns="" id="{E054EA1E-6A53-40B2-A89C-EBF01D955292}"/>
+                  <a16:creationId xmlns="" xmlns:a16="http://schemas.microsoft.com/office/drawing/2014/main" id="{E054EA1E-6A53-40B2-A89C-EBF01D955292}"/>
                 </a:ext>
               </a:extLst>
             </p:cNvPr>
@@ -4297,7 +4298,7 @@
           <p:cNvPr id="10" name="그룹 9">
             <a:extLst>
               <a:ext uri="{FF2B5EF4-FFF2-40B4-BE49-F238E27FC236}">
-                <a16:creationId xmlns:a16="http://schemas.microsoft.com/office/drawing/2014/main" xmlns="" id="{CACD5E1F-B87F-4F9D-A345-EEA8DB5F0AEF}"/>
+                <a16:creationId xmlns="" xmlns:a16="http://schemas.microsoft.com/office/drawing/2014/main" id="{CACD5E1F-B87F-4F9D-A345-EEA8DB5F0AEF}"/>
               </a:ext>
             </a:extLst>
           </p:cNvPr>
@@ -4317,7 +4318,7 @@
             <p:cNvPr id="5" name="그림 4">
               <a:extLst>
                 <a:ext uri="{FF2B5EF4-FFF2-40B4-BE49-F238E27FC236}">
-                  <a16:creationId xmlns:a16="http://schemas.microsoft.com/office/drawing/2014/main" xmlns="" id="{8D5CC653-513E-4291-9F43-116A3406C35E}"/>
+                  <a16:creationId xmlns="" xmlns:a16="http://schemas.microsoft.com/office/drawing/2014/main" id="{8D5CC653-513E-4291-9F43-116A3406C35E}"/>
                 </a:ext>
               </a:extLst>
             </p:cNvPr>
@@ -4353,7 +4354,7 @@
             <p:cNvPr id="17" name="그림 16">
               <a:extLst>
                 <a:ext uri="{FF2B5EF4-FFF2-40B4-BE49-F238E27FC236}">
-                  <a16:creationId xmlns:a16="http://schemas.microsoft.com/office/drawing/2014/main" xmlns="" id="{23B81A0E-F7E5-4095-8343-4BF78B999C8A}"/>
+                  <a16:creationId xmlns="" xmlns:a16="http://schemas.microsoft.com/office/drawing/2014/main" id="{23B81A0E-F7E5-4095-8343-4BF78B999C8A}"/>
                 </a:ext>
               </a:extLst>
             </p:cNvPr>
@@ -4390,7 +4391,7 @@
           <p:cNvPr id="9" name="그룹 8">
             <a:extLst>
               <a:ext uri="{FF2B5EF4-FFF2-40B4-BE49-F238E27FC236}">
-                <a16:creationId xmlns:a16="http://schemas.microsoft.com/office/drawing/2014/main" xmlns="" id="{2C1B4087-2622-47B0-B63E-EC1131157C40}"/>
+                <a16:creationId xmlns="" xmlns:a16="http://schemas.microsoft.com/office/drawing/2014/main" id="{2C1B4087-2622-47B0-B63E-EC1131157C40}"/>
               </a:ext>
             </a:extLst>
           </p:cNvPr>
@@ -4410,7 +4411,7 @@
             <p:cNvPr id="8" name="그림 7">
               <a:extLst>
                 <a:ext uri="{FF2B5EF4-FFF2-40B4-BE49-F238E27FC236}">
-                  <a16:creationId xmlns:a16="http://schemas.microsoft.com/office/drawing/2014/main" xmlns="" id="{F0D1066A-44FD-443A-ADC3-15303335FBDE}"/>
+                  <a16:creationId xmlns="" xmlns:a16="http://schemas.microsoft.com/office/drawing/2014/main" id="{F0D1066A-44FD-443A-ADC3-15303335FBDE}"/>
                 </a:ext>
               </a:extLst>
             </p:cNvPr>
@@ -4446,7 +4447,7 @@
             <p:cNvPr id="3" name="그림 2">
               <a:extLst>
                 <a:ext uri="{FF2B5EF4-FFF2-40B4-BE49-F238E27FC236}">
-                  <a16:creationId xmlns:a16="http://schemas.microsoft.com/office/drawing/2014/main" xmlns="" id="{100694FC-E00C-4D21-859F-A73EA5D92F86}"/>
+                  <a16:creationId xmlns="" xmlns:a16="http://schemas.microsoft.com/office/drawing/2014/main" id="{100694FC-E00C-4D21-859F-A73EA5D92F86}"/>
                 </a:ext>
               </a:extLst>
             </p:cNvPr>
@@ -4637,7 +4638,7 @@
           <p:cNvPr id="10" name="그룹 9">
             <a:extLst>
               <a:ext uri="{FF2B5EF4-FFF2-40B4-BE49-F238E27FC236}">
-                <a16:creationId xmlns:a16="http://schemas.microsoft.com/office/drawing/2014/main" xmlns="" id="{8925C2A2-2288-4279-A0CD-FC1425910892}"/>
+                <a16:creationId xmlns="" xmlns:a16="http://schemas.microsoft.com/office/drawing/2014/main" id="{8925C2A2-2288-4279-A0CD-FC1425910892}"/>
               </a:ext>
             </a:extLst>
           </p:cNvPr>
@@ -4657,7 +4658,7 @@
             <p:cNvPr id="9" name="그림 8">
               <a:extLst>
                 <a:ext uri="{FF2B5EF4-FFF2-40B4-BE49-F238E27FC236}">
-                  <a16:creationId xmlns:a16="http://schemas.microsoft.com/office/drawing/2014/main" xmlns="" id="{A78DA70C-7705-4FAF-964A-583BA0C95001}"/>
+                  <a16:creationId xmlns="" xmlns:a16="http://schemas.microsoft.com/office/drawing/2014/main" id="{A78DA70C-7705-4FAF-964A-583BA0C95001}"/>
                 </a:ext>
               </a:extLst>
             </p:cNvPr>
@@ -4693,7 +4694,7 @@
             <p:cNvPr id="5" name="그림 4">
               <a:extLst>
                 <a:ext uri="{FF2B5EF4-FFF2-40B4-BE49-F238E27FC236}">
-                  <a16:creationId xmlns:a16="http://schemas.microsoft.com/office/drawing/2014/main" xmlns="" id="{0F06C7B3-9E87-4919-92DD-DE1087FE3A11}"/>
+                  <a16:creationId xmlns="" xmlns:a16="http://schemas.microsoft.com/office/drawing/2014/main" id="{0F06C7B3-9E87-4919-92DD-DE1087FE3A11}"/>
                 </a:ext>
               </a:extLst>
             </p:cNvPr>
@@ -4730,7 +4731,7 @@
           <p:cNvPr id="13" name="그룹 12">
             <a:extLst>
               <a:ext uri="{FF2B5EF4-FFF2-40B4-BE49-F238E27FC236}">
-                <a16:creationId xmlns:a16="http://schemas.microsoft.com/office/drawing/2014/main" xmlns="" id="{ACB74635-6CE8-49F3-A6FC-3E1D137813A1}"/>
+                <a16:creationId xmlns="" xmlns:a16="http://schemas.microsoft.com/office/drawing/2014/main" id="{ACB74635-6CE8-49F3-A6FC-3E1D137813A1}"/>
               </a:ext>
             </a:extLst>
           </p:cNvPr>
@@ -4750,7 +4751,7 @@
             <p:cNvPr id="12" name="그림 11">
               <a:extLst>
                 <a:ext uri="{FF2B5EF4-FFF2-40B4-BE49-F238E27FC236}">
-                  <a16:creationId xmlns:a16="http://schemas.microsoft.com/office/drawing/2014/main" xmlns="" id="{274AF5D7-666A-45FE-8896-66CA21617D30}"/>
+                  <a16:creationId xmlns="" xmlns:a16="http://schemas.microsoft.com/office/drawing/2014/main" id="{274AF5D7-666A-45FE-8896-66CA21617D30}"/>
                 </a:ext>
               </a:extLst>
             </p:cNvPr>
@@ -4786,7 +4787,7 @@
             <p:cNvPr id="6" name="그림 5">
               <a:extLst>
                 <a:ext uri="{FF2B5EF4-FFF2-40B4-BE49-F238E27FC236}">
-                  <a16:creationId xmlns:a16="http://schemas.microsoft.com/office/drawing/2014/main" xmlns="" id="{BC307A66-6C16-4914-9F35-6838E92C243D}"/>
+                  <a16:creationId xmlns="" xmlns:a16="http://schemas.microsoft.com/office/drawing/2014/main" id="{BC307A66-6C16-4914-9F35-6838E92C243D}"/>
                 </a:ext>
               </a:extLst>
             </p:cNvPr>
@@ -4823,7 +4824,7 @@
           <p:cNvPr id="16" name="그룹 15">
             <a:extLst>
               <a:ext uri="{FF2B5EF4-FFF2-40B4-BE49-F238E27FC236}">
-                <a16:creationId xmlns:a16="http://schemas.microsoft.com/office/drawing/2014/main" xmlns="" id="{C8417939-EACA-4971-B291-434B6285A4C3}"/>
+                <a16:creationId xmlns="" xmlns:a16="http://schemas.microsoft.com/office/drawing/2014/main" id="{C8417939-EACA-4971-B291-434B6285A4C3}"/>
               </a:ext>
             </a:extLst>
           </p:cNvPr>
@@ -4843,7 +4844,7 @@
             <p:cNvPr id="15" name="그림 14">
               <a:extLst>
                 <a:ext uri="{FF2B5EF4-FFF2-40B4-BE49-F238E27FC236}">
-                  <a16:creationId xmlns:a16="http://schemas.microsoft.com/office/drawing/2014/main" xmlns="" id="{7F0A4861-1CFE-49BD-99D8-45082C89722B}"/>
+                  <a16:creationId xmlns="" xmlns:a16="http://schemas.microsoft.com/office/drawing/2014/main" id="{7F0A4861-1CFE-49BD-99D8-45082C89722B}"/>
                 </a:ext>
               </a:extLst>
             </p:cNvPr>
@@ -4879,7 +4880,7 @@
             <p:cNvPr id="7" name="그림 6">
               <a:extLst>
                 <a:ext uri="{FF2B5EF4-FFF2-40B4-BE49-F238E27FC236}">
-                  <a16:creationId xmlns:a16="http://schemas.microsoft.com/office/drawing/2014/main" xmlns="" id="{D1DE7E06-2D22-4A5A-A170-53AE6FF46109}"/>
+                  <a16:creationId xmlns="" xmlns:a16="http://schemas.microsoft.com/office/drawing/2014/main" id="{D1DE7E06-2D22-4A5A-A170-53AE6FF46109}"/>
                 </a:ext>
               </a:extLst>
             </p:cNvPr>
@@ -5105,7 +5106,7 @@
           <p:cNvPr id="27" name="그룹 26">
             <a:extLst>
               <a:ext uri="{FF2B5EF4-FFF2-40B4-BE49-F238E27FC236}">
-                <a16:creationId xmlns:a16="http://schemas.microsoft.com/office/drawing/2014/main" xmlns="" id="{1499780F-2B78-48B1-BEE7-697333634B8F}"/>
+                <a16:creationId xmlns="" xmlns:a16="http://schemas.microsoft.com/office/drawing/2014/main" id="{1499780F-2B78-48B1-BEE7-697333634B8F}"/>
               </a:ext>
             </a:extLst>
           </p:cNvPr>
@@ -5125,7 +5126,7 @@
             <p:cNvPr id="23" name="그림 22">
               <a:extLst>
                 <a:ext uri="{FF2B5EF4-FFF2-40B4-BE49-F238E27FC236}">
-                  <a16:creationId xmlns:a16="http://schemas.microsoft.com/office/drawing/2014/main" xmlns="" id="{3556AD07-8E7A-4B69-B98E-B19E6CB5577E}"/>
+                  <a16:creationId xmlns="" xmlns:a16="http://schemas.microsoft.com/office/drawing/2014/main" id="{3556AD07-8E7A-4B69-B98E-B19E6CB5577E}"/>
                 </a:ext>
               </a:extLst>
             </p:cNvPr>
@@ -5161,7 +5162,7 @@
             <p:cNvPr id="3" name="그림 2">
               <a:extLst>
                 <a:ext uri="{FF2B5EF4-FFF2-40B4-BE49-F238E27FC236}">
-                  <a16:creationId xmlns:a16="http://schemas.microsoft.com/office/drawing/2014/main" xmlns="" id="{245D4617-3B70-426E-B3B8-CBF10C3AED0F}"/>
+                  <a16:creationId xmlns="" xmlns:a16="http://schemas.microsoft.com/office/drawing/2014/main" id="{245D4617-3B70-426E-B3B8-CBF10C3AED0F}"/>
                 </a:ext>
               </a:extLst>
             </p:cNvPr>
@@ -5198,7 +5199,7 @@
           <p:cNvPr id="26" name="그룹 25">
             <a:extLst>
               <a:ext uri="{FF2B5EF4-FFF2-40B4-BE49-F238E27FC236}">
-                <a16:creationId xmlns:a16="http://schemas.microsoft.com/office/drawing/2014/main" xmlns="" id="{C56CE97F-519F-4471-8B34-34E5CC0462FC}"/>
+                <a16:creationId xmlns="" xmlns:a16="http://schemas.microsoft.com/office/drawing/2014/main" id="{C56CE97F-519F-4471-8B34-34E5CC0462FC}"/>
               </a:ext>
             </a:extLst>
           </p:cNvPr>
@@ -5218,7 +5219,7 @@
             <p:cNvPr id="21" name="그림 20">
               <a:extLst>
                 <a:ext uri="{FF2B5EF4-FFF2-40B4-BE49-F238E27FC236}">
-                  <a16:creationId xmlns:a16="http://schemas.microsoft.com/office/drawing/2014/main" xmlns="" id="{5B45791A-3390-4FE9-BBA6-5285376D96E8}"/>
+                  <a16:creationId xmlns="" xmlns:a16="http://schemas.microsoft.com/office/drawing/2014/main" id="{5B45791A-3390-4FE9-BBA6-5285376D96E8}"/>
                 </a:ext>
               </a:extLst>
             </p:cNvPr>
@@ -5254,7 +5255,7 @@
             <p:cNvPr id="14" name="그림 13">
               <a:extLst>
                 <a:ext uri="{FF2B5EF4-FFF2-40B4-BE49-F238E27FC236}">
-                  <a16:creationId xmlns:a16="http://schemas.microsoft.com/office/drawing/2014/main" xmlns="" id="{414BC752-601B-405A-A3ED-FD2EEE07E63D}"/>
+                  <a16:creationId xmlns="" xmlns:a16="http://schemas.microsoft.com/office/drawing/2014/main" id="{414BC752-601B-405A-A3ED-FD2EEE07E63D}"/>
                 </a:ext>
               </a:extLst>
             </p:cNvPr>
@@ -5291,7 +5292,7 @@
           <p:cNvPr id="25" name="그룹 24">
             <a:extLst>
               <a:ext uri="{FF2B5EF4-FFF2-40B4-BE49-F238E27FC236}">
-                <a16:creationId xmlns:a16="http://schemas.microsoft.com/office/drawing/2014/main" xmlns="" id="{19951DF9-B7A9-4E60-8406-D18E3AD95094}"/>
+                <a16:creationId xmlns="" xmlns:a16="http://schemas.microsoft.com/office/drawing/2014/main" id="{19951DF9-B7A9-4E60-8406-D18E3AD95094}"/>
               </a:ext>
             </a:extLst>
           </p:cNvPr>
@@ -5311,7 +5312,7 @@
             <p:cNvPr id="19" name="그림 18">
               <a:extLst>
                 <a:ext uri="{FF2B5EF4-FFF2-40B4-BE49-F238E27FC236}">
-                  <a16:creationId xmlns:a16="http://schemas.microsoft.com/office/drawing/2014/main" xmlns="" id="{3E231D79-F642-410F-8FBB-796AC5F97E36}"/>
+                  <a16:creationId xmlns="" xmlns:a16="http://schemas.microsoft.com/office/drawing/2014/main" id="{3E231D79-F642-410F-8FBB-796AC5F97E36}"/>
                 </a:ext>
               </a:extLst>
             </p:cNvPr>
@@ -5347,7 +5348,7 @@
             <p:cNvPr id="17" name="그림 16">
               <a:extLst>
                 <a:ext uri="{FF2B5EF4-FFF2-40B4-BE49-F238E27FC236}">
-                  <a16:creationId xmlns:a16="http://schemas.microsoft.com/office/drawing/2014/main" xmlns="" id="{B165AB44-31D1-43A4-A25C-BA593ED21FFD}"/>
+                  <a16:creationId xmlns="" xmlns:a16="http://schemas.microsoft.com/office/drawing/2014/main" id="{B165AB44-31D1-43A4-A25C-BA593ED21FFD}"/>
                 </a:ext>
               </a:extLst>
             </p:cNvPr>
@@ -5384,7 +5385,7 @@
           <p:cNvPr id="24" name="그룹 23">
             <a:extLst>
               <a:ext uri="{FF2B5EF4-FFF2-40B4-BE49-F238E27FC236}">
-                <a16:creationId xmlns:a16="http://schemas.microsoft.com/office/drawing/2014/main" xmlns="" id="{DB26F1B1-039F-4436-A94F-32A8AE616C7B}"/>
+                <a16:creationId xmlns="" xmlns:a16="http://schemas.microsoft.com/office/drawing/2014/main" id="{DB26F1B1-039F-4436-A94F-32A8AE616C7B}"/>
               </a:ext>
             </a:extLst>
           </p:cNvPr>
@@ -5404,7 +5405,7 @@
             <p:cNvPr id="8" name="그림 7">
               <a:extLst>
                 <a:ext uri="{FF2B5EF4-FFF2-40B4-BE49-F238E27FC236}">
-                  <a16:creationId xmlns:a16="http://schemas.microsoft.com/office/drawing/2014/main" xmlns="" id="{8EF8EE0B-DEAE-4DCD-9015-0FAEC8D156DC}"/>
+                  <a16:creationId xmlns="" xmlns:a16="http://schemas.microsoft.com/office/drawing/2014/main" id="{8EF8EE0B-DEAE-4DCD-9015-0FAEC8D156DC}"/>
                 </a:ext>
               </a:extLst>
             </p:cNvPr>
@@ -5440,7 +5441,7 @@
             <p:cNvPr id="18" name="그림 17">
               <a:extLst>
                 <a:ext uri="{FF2B5EF4-FFF2-40B4-BE49-F238E27FC236}">
-                  <a16:creationId xmlns:a16="http://schemas.microsoft.com/office/drawing/2014/main" xmlns="" id="{91D8B152-B81B-47A6-9E45-36F5B8A994E4}"/>
+                  <a16:creationId xmlns="" xmlns:a16="http://schemas.microsoft.com/office/drawing/2014/main" id="{91D8B152-B81B-47A6-9E45-36F5B8A994E4}"/>
                 </a:ext>
               </a:extLst>
             </p:cNvPr>
@@ -5698,10 +5699,90 @@
       </p:grpSpPr>
       <p:sp>
         <p:nvSpPr>
+          <p:cNvPr id="2" name="제목 1"/>
+          <p:cNvSpPr>
+            <a:spLocks noGrp="1"/>
+          </p:cNvSpPr>
+          <p:nvPr>
+            <p:ph type="title"/>
+          </p:nvPr>
+        </p:nvSpPr>
+        <p:spPr>
+          <a:xfrm>
+            <a:off x="3866075" y="2530355"/>
+            <a:ext cx="4492924" cy="1325563"/>
+          </a:xfrm>
+        </p:spPr>
+        <p:txBody>
+          <a:bodyPr>
+            <a:normAutofit fontScale="90000"/>
+          </a:bodyPr>
+          <a:lstStyle/>
+          <a:p>
+            <a:pPr algn="ctr"/>
+            <a:r>
+              <a:rPr lang="ko-KR" altLang="en-US" sz="5400" b="1" dirty="0" smtClean="0"/>
+              <a:t>질의응답 시간</a:t>
+            </a:r>
+            <a:endParaRPr lang="ko-KR" altLang="en-US" sz="5400" b="1" dirty="0"/>
+          </a:p>
+        </p:txBody>
+      </p:sp>
+    </p:spTree>
+    <p:extLst>
+      <p:ext uri="{BB962C8B-B14F-4D97-AF65-F5344CB8AC3E}">
+        <p14:creationId xmlns:p14="http://schemas.microsoft.com/office/powerpoint/2010/main" val="3794021161"/>
+      </p:ext>
+    </p:extLst>
+  </p:cSld>
+  <p:clrMapOvr>
+    <a:masterClrMapping/>
+  </p:clrMapOvr>
+  <mc:AlternateContent xmlns:mc="http://schemas.openxmlformats.org/markup-compatibility/2006">
+    <mc:Choice xmlns:p14="http://schemas.microsoft.com/office/powerpoint/2010/main" Requires="p14">
+      <p:transition spd="med" p14:dur="700">
+        <p:fade/>
+      </p:transition>
+    </mc:Choice>
+    <mc:Fallback>
+      <p:transition spd="med">
+        <p:fade/>
+      </p:transition>
+    </mc:Fallback>
+  </mc:AlternateContent>
+  <p:timing>
+    <p:tnLst>
+      <p:par>
+        <p:cTn id="1" dur="indefinite" restart="never" nodeType="tmRoot"/>
+      </p:par>
+    </p:tnLst>
+  </p:timing>
+</p:sld>
+</file>
+
+<file path=ppt/slides/slide16.xml><?xml version="1.0" encoding="utf-8"?>
+<p:sld xmlns:a="http://schemas.openxmlformats.org/drawingml/2006/main" xmlns:r="http://schemas.openxmlformats.org/officeDocument/2006/relationships" xmlns:p="http://schemas.openxmlformats.org/presentationml/2006/main">
+  <p:cSld>
+    <p:spTree>
+      <p:nvGrpSpPr>
+        <p:cNvPr id="1" name=""/>
+        <p:cNvGrpSpPr/>
+        <p:nvPr/>
+      </p:nvGrpSpPr>
+      <p:grpSpPr>
+        <a:xfrm>
+          <a:off x="0" y="0"/>
+          <a:ext cx="0" cy="0"/>
+          <a:chOff x="0" y="0"/>
+          <a:chExt cx="0" cy="0"/>
+        </a:xfrm>
+      </p:grpSpPr>
+      <p:sp>
+        <p:nvSpPr>
           <p:cNvPr id="2" name="제목 1">
             <a:extLst>
               <a:ext uri="{FF2B5EF4-FFF2-40B4-BE49-F238E27FC236}">
-                <a16:creationId xmlns:a16="http://schemas.microsoft.com/office/drawing/2014/main" xmlns="" id="{943A5763-3A63-4229-AB76-601DE72A9847}"/>
+                <a16:creationId xmlns="" xmlns:a16="http://schemas.microsoft.com/office/drawing/2014/main" id="{943A5763-3A63-4229-AB76-601DE72A9847}"/>
               </a:ext>
             </a:extLst>
           </p:cNvPr>
@@ -5737,7 +5818,7 @@
           <p:cNvPr id="10" name="그룹 9">
             <a:extLst>
               <a:ext uri="{FF2B5EF4-FFF2-40B4-BE49-F238E27FC236}">
-                <a16:creationId xmlns:a16="http://schemas.microsoft.com/office/drawing/2014/main" xmlns="" id="{84EF5F54-4DD7-4E11-9DFA-912C95FFFE61}"/>
+                <a16:creationId xmlns="" xmlns:a16="http://schemas.microsoft.com/office/drawing/2014/main" id="{84EF5F54-4DD7-4E11-9DFA-912C95FFFE61}"/>
               </a:ext>
             </a:extLst>
           </p:cNvPr>
@@ -5757,7 +5838,7 @@
             <p:cNvPr id="5" name="그림 4">
               <a:extLst>
                 <a:ext uri="{FF2B5EF4-FFF2-40B4-BE49-F238E27FC236}">
-                  <a16:creationId xmlns:a16="http://schemas.microsoft.com/office/drawing/2014/main" xmlns="" id="{2BBDEDCA-A4AC-44AC-A0B6-E69513F84C48}"/>
+                  <a16:creationId xmlns="" xmlns:a16="http://schemas.microsoft.com/office/drawing/2014/main" id="{2BBDEDCA-A4AC-44AC-A0B6-E69513F84C48}"/>
                 </a:ext>
               </a:extLst>
             </p:cNvPr>
@@ -5793,7 +5874,7 @@
             <p:cNvPr id="7" name="그림 6">
               <a:extLst>
                 <a:ext uri="{FF2B5EF4-FFF2-40B4-BE49-F238E27FC236}">
-                  <a16:creationId xmlns:a16="http://schemas.microsoft.com/office/drawing/2014/main" xmlns="" id="{F5B9456C-CC2C-4E18-9D19-741E9A6373DD}"/>
+                  <a16:creationId xmlns="" xmlns:a16="http://schemas.microsoft.com/office/drawing/2014/main" id="{F5B9456C-CC2C-4E18-9D19-741E9A6373DD}"/>
                 </a:ext>
               </a:extLst>
             </p:cNvPr>
@@ -5829,7 +5910,7 @@
             <p:cNvPr id="9" name="그림 8">
               <a:extLst>
                 <a:ext uri="{FF2B5EF4-FFF2-40B4-BE49-F238E27FC236}">
-                  <a16:creationId xmlns:a16="http://schemas.microsoft.com/office/drawing/2014/main" xmlns="" id="{C0CA1C7C-7968-42C2-9CE6-A5E0D9C0D18A}"/>
+                  <a16:creationId xmlns="" xmlns:a16="http://schemas.microsoft.com/office/drawing/2014/main" id="{C0CA1C7C-7968-42C2-9CE6-A5E0D9C0D18A}"/>
                 </a:ext>
               </a:extLst>
             </p:cNvPr>
@@ -6124,7 +6205,7 @@
           <p:cNvPr id="4" name="그림 3">
             <a:extLst>
               <a:ext uri="{FF2B5EF4-FFF2-40B4-BE49-F238E27FC236}">
-                <a16:creationId xmlns:a16="http://schemas.microsoft.com/office/drawing/2014/main" xmlns="" id="{841DE8CF-AA40-4323-A289-49E717AD1952}"/>
+                <a16:creationId xmlns="" xmlns:a16="http://schemas.microsoft.com/office/drawing/2014/main" id="{841DE8CF-AA40-4323-A289-49E717AD1952}"/>
               </a:ext>
             </a:extLst>
           </p:cNvPr>
@@ -6160,7 +6241,7 @@
           <p:cNvPr id="6" name="TextBox 5">
             <a:extLst>
               <a:ext uri="{FF2B5EF4-FFF2-40B4-BE49-F238E27FC236}">
-                <a16:creationId xmlns:a16="http://schemas.microsoft.com/office/drawing/2014/main" xmlns="" id="{BAFFC51D-3F3D-4A24-A7CA-B3C15591B2BE}"/>
+                <a16:creationId xmlns="" xmlns:a16="http://schemas.microsoft.com/office/drawing/2014/main" id="{BAFFC51D-3F3D-4A24-A7CA-B3C15591B2BE}"/>
               </a:ext>
             </a:extLst>
           </p:cNvPr>
@@ -6195,7 +6276,7 @@
           <p:cNvPr id="7" name="TextBox 6">
             <a:extLst>
               <a:ext uri="{FF2B5EF4-FFF2-40B4-BE49-F238E27FC236}">
-                <a16:creationId xmlns:a16="http://schemas.microsoft.com/office/drawing/2014/main" xmlns="" id="{BC6D3550-0A9E-4014-9448-110EEB964C19}"/>
+                <a16:creationId xmlns="" xmlns:a16="http://schemas.microsoft.com/office/drawing/2014/main" id="{BC6D3550-0A9E-4014-9448-110EEB964C19}"/>
               </a:ext>
             </a:extLst>
           </p:cNvPr>
@@ -6230,7 +6311,7 @@
           <p:cNvPr id="8" name="TextBox 7">
             <a:extLst>
               <a:ext uri="{FF2B5EF4-FFF2-40B4-BE49-F238E27FC236}">
-                <a16:creationId xmlns:a16="http://schemas.microsoft.com/office/drawing/2014/main" xmlns="" id="{E4154070-89AC-4449-B539-0599E3934AA4}"/>
+                <a16:creationId xmlns="" xmlns:a16="http://schemas.microsoft.com/office/drawing/2014/main" id="{E4154070-89AC-4449-B539-0599E3934AA4}"/>
               </a:ext>
             </a:extLst>
           </p:cNvPr>
@@ -6265,7 +6346,7 @@
           <p:cNvPr id="9" name="TextBox 8">
             <a:extLst>
               <a:ext uri="{FF2B5EF4-FFF2-40B4-BE49-F238E27FC236}">
-                <a16:creationId xmlns:a16="http://schemas.microsoft.com/office/drawing/2014/main" xmlns="" id="{268E86F4-AD45-44C9-94D1-47B1B3ECAC43}"/>
+                <a16:creationId xmlns="" xmlns:a16="http://schemas.microsoft.com/office/drawing/2014/main" id="{268E86F4-AD45-44C9-94D1-47B1B3ECAC43}"/>
               </a:ext>
             </a:extLst>
           </p:cNvPr>
@@ -6310,7 +6391,7 @@
     <a:masterClrMapping/>
   </p:clrMapOvr>
   <mc:AlternateContent xmlns:mc="http://schemas.openxmlformats.org/markup-compatibility/2006">
-    <mc:Choice xmlns:p159="http://schemas.microsoft.com/office/powerpoint/2015/09/main" xmlns="" Requires="p159">
+    <mc:Choice xmlns="" xmlns:p159="http://schemas.microsoft.com/office/powerpoint/2015/09/main" Requires="p159">
       <p:transition spd="slow">
         <p159:morph option="byObject"/>
       </p:transition>
@@ -6543,7 +6624,7 @@
           <p:cNvPr id="6" name="그림 5">
             <a:extLst>
               <a:ext uri="{FF2B5EF4-FFF2-40B4-BE49-F238E27FC236}">
-                <a16:creationId xmlns:a16="http://schemas.microsoft.com/office/drawing/2014/main" xmlns="" id="{AECF03AB-696C-4774-A3C3-38D2510ECB9A}"/>
+                <a16:creationId xmlns="" xmlns:a16="http://schemas.microsoft.com/office/drawing/2014/main" id="{AECF03AB-696C-4774-A3C3-38D2510ECB9A}"/>
               </a:ext>
             </a:extLst>
           </p:cNvPr>
@@ -6579,7 +6660,7 @@
           <p:cNvPr id="8" name="그림 7">
             <a:extLst>
               <a:ext uri="{FF2B5EF4-FFF2-40B4-BE49-F238E27FC236}">
-                <a16:creationId xmlns:a16="http://schemas.microsoft.com/office/drawing/2014/main" xmlns="" id="{111CDB47-9D2D-4358-B247-FFB163148721}"/>
+                <a16:creationId xmlns="" xmlns:a16="http://schemas.microsoft.com/office/drawing/2014/main" id="{111CDB47-9D2D-4358-B247-FFB163148721}"/>
               </a:ext>
             </a:extLst>
           </p:cNvPr>
@@ -6615,7 +6696,7 @@
           <p:cNvPr id="10" name="그림 9">
             <a:extLst>
               <a:ext uri="{FF2B5EF4-FFF2-40B4-BE49-F238E27FC236}">
-                <a16:creationId xmlns:a16="http://schemas.microsoft.com/office/drawing/2014/main" xmlns="" id="{FF7F1D86-46B7-4773-A3E9-218F1BDD52AF}"/>
+                <a16:creationId xmlns="" xmlns:a16="http://schemas.microsoft.com/office/drawing/2014/main" id="{FF7F1D86-46B7-4773-A3E9-218F1BDD52AF}"/>
               </a:ext>
             </a:extLst>
           </p:cNvPr>
@@ -6651,7 +6732,7 @@
           <p:cNvPr id="11" name="그림 10">
             <a:extLst>
               <a:ext uri="{FF2B5EF4-FFF2-40B4-BE49-F238E27FC236}">
-                <a16:creationId xmlns:a16="http://schemas.microsoft.com/office/drawing/2014/main" xmlns="" id="{CE341F17-A9D4-49C4-A8D6-395FBDA1CE73}"/>
+                <a16:creationId xmlns="" xmlns:a16="http://schemas.microsoft.com/office/drawing/2014/main" id="{CE341F17-A9D4-49C4-A8D6-395FBDA1CE73}"/>
               </a:ext>
             </a:extLst>
           </p:cNvPr>
@@ -6687,7 +6768,7 @@
           <p:cNvPr id="17" name="TextBox 16">
             <a:extLst>
               <a:ext uri="{FF2B5EF4-FFF2-40B4-BE49-F238E27FC236}">
-                <a16:creationId xmlns:a16="http://schemas.microsoft.com/office/drawing/2014/main" xmlns="" id="{C7F5BA63-C963-49DB-91B7-D15D04EC06A4}"/>
+                <a16:creationId xmlns="" xmlns:a16="http://schemas.microsoft.com/office/drawing/2014/main" id="{C7F5BA63-C963-49DB-91B7-D15D04EC06A4}"/>
               </a:ext>
             </a:extLst>
           </p:cNvPr>
@@ -6744,7 +6825,7 @@
           <p:cNvPr id="18" name="TextBox 17">
             <a:extLst>
               <a:ext uri="{FF2B5EF4-FFF2-40B4-BE49-F238E27FC236}">
-                <a16:creationId xmlns:a16="http://schemas.microsoft.com/office/drawing/2014/main" xmlns="" id="{EE7A4A16-F8BF-4F79-B758-1196985A3785}"/>
+                <a16:creationId xmlns="" xmlns:a16="http://schemas.microsoft.com/office/drawing/2014/main" id="{EE7A4A16-F8BF-4F79-B758-1196985A3785}"/>
               </a:ext>
             </a:extLst>
           </p:cNvPr>
@@ -6801,7 +6882,7 @@
           <p:cNvPr id="19" name="TextBox 18">
             <a:extLst>
               <a:ext uri="{FF2B5EF4-FFF2-40B4-BE49-F238E27FC236}">
-                <a16:creationId xmlns:a16="http://schemas.microsoft.com/office/drawing/2014/main" xmlns="" id="{88D37C1A-2738-4FB3-BD05-5FE24C2CD3DC}"/>
+                <a16:creationId xmlns="" xmlns:a16="http://schemas.microsoft.com/office/drawing/2014/main" id="{88D37C1A-2738-4FB3-BD05-5FE24C2CD3DC}"/>
               </a:ext>
             </a:extLst>
           </p:cNvPr>
@@ -6850,7 +6931,7 @@
           <p:cNvPr id="20" name="TextBox 19">
             <a:extLst>
               <a:ext uri="{FF2B5EF4-FFF2-40B4-BE49-F238E27FC236}">
-                <a16:creationId xmlns:a16="http://schemas.microsoft.com/office/drawing/2014/main" xmlns="" id="{EC8DF5BE-56B3-40FE-BA0E-E67F01506DB0}"/>
+                <a16:creationId xmlns="" xmlns:a16="http://schemas.microsoft.com/office/drawing/2014/main" id="{EC8DF5BE-56B3-40FE-BA0E-E67F01506DB0}"/>
               </a:ext>
             </a:extLst>
           </p:cNvPr>
@@ -6899,7 +6980,7 @@
           <p:cNvPr id="22" name="그림 21">
             <a:extLst>
               <a:ext uri="{FF2B5EF4-FFF2-40B4-BE49-F238E27FC236}">
-                <a16:creationId xmlns:a16="http://schemas.microsoft.com/office/drawing/2014/main" xmlns="" id="{1DBB25DF-239F-4989-BBA0-770F963F7E18}"/>
+                <a16:creationId xmlns="" xmlns:a16="http://schemas.microsoft.com/office/drawing/2014/main" id="{1DBB25DF-239F-4989-BBA0-770F963F7E18}"/>
               </a:ext>
             </a:extLst>
           </p:cNvPr>
@@ -6941,7 +7022,7 @@
           <p:cNvPr id="24" name="그림 23">
             <a:extLst>
               <a:ext uri="{FF2B5EF4-FFF2-40B4-BE49-F238E27FC236}">
-                <a16:creationId xmlns:a16="http://schemas.microsoft.com/office/drawing/2014/main" xmlns="" id="{8BA55D91-F0D3-4945-BE9E-243FFE07E499}"/>
+                <a16:creationId xmlns="" xmlns:a16="http://schemas.microsoft.com/office/drawing/2014/main" id="{8BA55D91-F0D3-4945-BE9E-243FFE07E499}"/>
               </a:ext>
             </a:extLst>
           </p:cNvPr>
@@ -6983,7 +7064,7 @@
           <p:cNvPr id="26" name="그림 25">
             <a:extLst>
               <a:ext uri="{FF2B5EF4-FFF2-40B4-BE49-F238E27FC236}">
-                <a16:creationId xmlns:a16="http://schemas.microsoft.com/office/drawing/2014/main" xmlns="" id="{149D9E7E-DC2C-4DEE-8B79-E075255DBA05}"/>
+                <a16:creationId xmlns="" xmlns:a16="http://schemas.microsoft.com/office/drawing/2014/main" id="{149D9E7E-DC2C-4DEE-8B79-E075255DBA05}"/>
               </a:ext>
             </a:extLst>
           </p:cNvPr>
@@ -7024,7 +7105,7 @@
           <p:cNvPr id="29" name="그림 28">
             <a:extLst>
               <a:ext uri="{FF2B5EF4-FFF2-40B4-BE49-F238E27FC236}">
-                <a16:creationId xmlns:a16="http://schemas.microsoft.com/office/drawing/2014/main" xmlns="" id="{D2E5AEAF-CD55-4067-8EAF-FA30577EAD28}"/>
+                <a16:creationId xmlns="" xmlns:a16="http://schemas.microsoft.com/office/drawing/2014/main" id="{D2E5AEAF-CD55-4067-8EAF-FA30577EAD28}"/>
               </a:ext>
             </a:extLst>
           </p:cNvPr>
@@ -7585,7 +7666,7 @@
           <p:cNvPr id="5" name="그림 4">
             <a:extLst>
               <a:ext uri="{FF2B5EF4-FFF2-40B4-BE49-F238E27FC236}">
-                <a16:creationId xmlns:a16="http://schemas.microsoft.com/office/drawing/2014/main" xmlns="" id="{844DB889-93E3-4824-957C-AF9C459C56CB}"/>
+                <a16:creationId xmlns="" xmlns:a16="http://schemas.microsoft.com/office/drawing/2014/main" id="{844DB889-93E3-4824-957C-AF9C459C56CB}"/>
               </a:ext>
             </a:extLst>
           </p:cNvPr>
@@ -7621,7 +7702,7 @@
           <p:cNvPr id="6" name="TextBox 5">
             <a:extLst>
               <a:ext uri="{FF2B5EF4-FFF2-40B4-BE49-F238E27FC236}">
-                <a16:creationId xmlns:a16="http://schemas.microsoft.com/office/drawing/2014/main" xmlns="" id="{ADCF5A95-64D3-4230-9AAC-62B46DC8B6E9}"/>
+                <a16:creationId xmlns="" xmlns:a16="http://schemas.microsoft.com/office/drawing/2014/main" id="{ADCF5A95-64D3-4230-9AAC-62B46DC8B6E9}"/>
               </a:ext>
             </a:extLst>
           </p:cNvPr>
@@ -7656,7 +7737,7 @@
           <p:cNvPr id="7" name="TextBox 6">
             <a:extLst>
               <a:ext uri="{FF2B5EF4-FFF2-40B4-BE49-F238E27FC236}">
-                <a16:creationId xmlns:a16="http://schemas.microsoft.com/office/drawing/2014/main" xmlns="" id="{946B2715-4962-46A0-B7B4-C1357C4E7D43}"/>
+                <a16:creationId xmlns="" xmlns:a16="http://schemas.microsoft.com/office/drawing/2014/main" id="{946B2715-4962-46A0-B7B4-C1357C4E7D43}"/>
               </a:ext>
             </a:extLst>
           </p:cNvPr>
@@ -7743,7 +7824,7 @@
     <a:masterClrMapping/>
   </p:clrMapOvr>
   <mc:AlternateContent xmlns:mc="http://schemas.openxmlformats.org/markup-compatibility/2006">
-    <mc:Choice xmlns:p159="http://schemas.microsoft.com/office/powerpoint/2015/09/main" xmlns="" Requires="p159">
+    <mc:Choice xmlns="" xmlns:p159="http://schemas.microsoft.com/office/powerpoint/2015/09/main" Requires="p159">
       <p:transition xmlns:p14="http://schemas.microsoft.com/office/powerpoint/2010/main" spd="slow" p14:dur="2000">
         <p159:morph option="byObject"/>
       </p:transition>
@@ -7968,7 +8049,7 @@
           <p:cNvPr id="10" name="TextBox 9">
             <a:extLst>
               <a:ext uri="{FF2B5EF4-FFF2-40B4-BE49-F238E27FC236}">
-                <a16:creationId xmlns:a16="http://schemas.microsoft.com/office/drawing/2014/main" xmlns="" id="{3F4575CB-7A90-4FCD-A92F-80B84C253650}"/>
+                <a16:creationId xmlns="" xmlns:a16="http://schemas.microsoft.com/office/drawing/2014/main" id="{3F4575CB-7A90-4FCD-A92F-80B84C253650}"/>
               </a:ext>
             </a:extLst>
           </p:cNvPr>
@@ -8026,7 +8107,7 @@
           <p:cNvPr id="12" name="그림 11">
             <a:extLst>
               <a:ext uri="{FF2B5EF4-FFF2-40B4-BE49-F238E27FC236}">
-                <a16:creationId xmlns:a16="http://schemas.microsoft.com/office/drawing/2014/main" xmlns="" id="{060D706D-8BD5-48D2-A607-6F4C55247CF8}"/>
+                <a16:creationId xmlns="" xmlns:a16="http://schemas.microsoft.com/office/drawing/2014/main" id="{060D706D-8BD5-48D2-A607-6F4C55247CF8}"/>
               </a:ext>
             </a:extLst>
           </p:cNvPr>
@@ -8062,7 +8143,7 @@
           <p:cNvPr id="13" name="TextBox 12">
             <a:extLst>
               <a:ext uri="{FF2B5EF4-FFF2-40B4-BE49-F238E27FC236}">
-                <a16:creationId xmlns:a16="http://schemas.microsoft.com/office/drawing/2014/main" xmlns="" id="{9D9D03B3-9707-49E1-93A7-24571355A245}"/>
+                <a16:creationId xmlns="" xmlns:a16="http://schemas.microsoft.com/office/drawing/2014/main" id="{9D9D03B3-9707-49E1-93A7-24571355A245}"/>
               </a:ext>
             </a:extLst>
           </p:cNvPr>
@@ -8112,7 +8193,7 @@
           <p:cNvPr id="16" name="그림 15">
             <a:extLst>
               <a:ext uri="{FF2B5EF4-FFF2-40B4-BE49-F238E27FC236}">
-                <a16:creationId xmlns:a16="http://schemas.microsoft.com/office/drawing/2014/main" xmlns="" id="{C3875D39-CAAD-47F7-B8A2-56186DB47418}"/>
+                <a16:creationId xmlns="" xmlns:a16="http://schemas.microsoft.com/office/drawing/2014/main" id="{C3875D39-CAAD-47F7-B8A2-56186DB47418}"/>
               </a:ext>
             </a:extLst>
           </p:cNvPr>
@@ -8147,7 +8228,7 @@
           <p:cNvPr id="8" name="제목 1">
             <a:extLst>
               <a:ext uri="{FF2B5EF4-FFF2-40B4-BE49-F238E27FC236}">
-                <a16:creationId xmlns:a16="http://schemas.microsoft.com/office/drawing/2014/main" xmlns="" id="{563DC378-FD8D-4301-9CAA-D19E0D067B92}"/>
+                <a16:creationId xmlns="" xmlns:a16="http://schemas.microsoft.com/office/drawing/2014/main" id="{563DC378-FD8D-4301-9CAA-D19E0D067B92}"/>
               </a:ext>
             </a:extLst>
           </p:cNvPr>
@@ -8529,7 +8610,7 @@
           <p:cNvPr id="6" name="TextBox 5">
             <a:extLst>
               <a:ext uri="{FF2B5EF4-FFF2-40B4-BE49-F238E27FC236}">
-                <a16:creationId xmlns:a16="http://schemas.microsoft.com/office/drawing/2014/main" xmlns="" id="{ADCF5A95-64D3-4230-9AAC-62B46DC8B6E9}"/>
+                <a16:creationId xmlns="" xmlns:a16="http://schemas.microsoft.com/office/drawing/2014/main" id="{ADCF5A95-64D3-4230-9AAC-62B46DC8B6E9}"/>
               </a:ext>
             </a:extLst>
           </p:cNvPr>
@@ -8565,7 +8646,7 @@
           <p:cNvPr id="4" name="그림 3">
             <a:extLst>
               <a:ext uri="{FF2B5EF4-FFF2-40B4-BE49-F238E27FC236}">
-                <a16:creationId xmlns:a16="http://schemas.microsoft.com/office/drawing/2014/main" xmlns="" id="{F4992CB9-A18F-4BB3-BDE3-C183231E9B8C}"/>
+                <a16:creationId xmlns="" xmlns:a16="http://schemas.microsoft.com/office/drawing/2014/main" id="{F4992CB9-A18F-4BB3-BDE3-C183231E9B8C}"/>
               </a:ext>
             </a:extLst>
           </p:cNvPr>
@@ -8595,7 +8676,7 @@
           <p:cNvPr id="9" name="TextBox 8">
             <a:extLst>
               <a:ext uri="{FF2B5EF4-FFF2-40B4-BE49-F238E27FC236}">
-                <a16:creationId xmlns:a16="http://schemas.microsoft.com/office/drawing/2014/main" xmlns="" id="{C7AC7D74-8982-4414-8022-50BF0206EBBD}"/>
+                <a16:creationId xmlns="" xmlns:a16="http://schemas.microsoft.com/office/drawing/2014/main" id="{C7AC7D74-8982-4414-8022-50BF0206EBBD}"/>
               </a:ext>
             </a:extLst>
           </p:cNvPr>
@@ -8718,7 +8799,7 @@
           <p:cNvPr id="2050" name="Picture 2" descr="[ìëë¡ì´ë] ëí¼ì AR ">
             <a:extLst>
               <a:ext uri="{FF2B5EF4-FFF2-40B4-BE49-F238E27FC236}">
-                <a16:creationId xmlns:a16="http://schemas.microsoft.com/office/drawing/2014/main" xmlns="" id="{42B8C7DD-C13A-46E2-9308-C5CEFA4767BC}"/>
+                <a16:creationId xmlns="" xmlns:a16="http://schemas.microsoft.com/office/drawing/2014/main" id="{42B8C7DD-C13A-46E2-9308-C5CEFA4767BC}"/>
               </a:ext>
             </a:extLst>
           </p:cNvPr>
@@ -8765,7 +8846,7 @@
           <p:cNvPr id="11" name="TextBox 10">
             <a:extLst>
               <a:ext uri="{FF2B5EF4-FFF2-40B4-BE49-F238E27FC236}">
-                <a16:creationId xmlns:a16="http://schemas.microsoft.com/office/drawing/2014/main" xmlns="" id="{3298B565-D0AB-44A6-9429-F0DCEC6279EA}"/>
+                <a16:creationId xmlns="" xmlns:a16="http://schemas.microsoft.com/office/drawing/2014/main" id="{3298B565-D0AB-44A6-9429-F0DCEC6279EA}"/>
               </a:ext>
             </a:extLst>
           </p:cNvPr>
@@ -9203,7 +9284,7 @@
           <p:cNvPr id="6" name="TextBox 5">
             <a:extLst>
               <a:ext uri="{FF2B5EF4-FFF2-40B4-BE49-F238E27FC236}">
-                <a16:creationId xmlns:a16="http://schemas.microsoft.com/office/drawing/2014/main" xmlns="" id="{ADCF5A95-64D3-4230-9AAC-62B46DC8B6E9}"/>
+                <a16:creationId xmlns="" xmlns:a16="http://schemas.microsoft.com/office/drawing/2014/main" id="{ADCF5A95-64D3-4230-9AAC-62B46DC8B6E9}"/>
               </a:ext>
             </a:extLst>
           </p:cNvPr>
@@ -9239,7 +9320,7 @@
           <p:cNvPr id="12" name="TextBox 11">
             <a:extLst>
               <a:ext uri="{FF2B5EF4-FFF2-40B4-BE49-F238E27FC236}">
-                <a16:creationId xmlns:a16="http://schemas.microsoft.com/office/drawing/2014/main" xmlns="" id="{8211A5F3-68E7-45DB-86EA-29F511A94F2A}"/>
+                <a16:creationId xmlns="" xmlns:a16="http://schemas.microsoft.com/office/drawing/2014/main" id="{8211A5F3-68E7-45DB-86EA-29F511A94F2A}"/>
               </a:ext>
             </a:extLst>
           </p:cNvPr>
@@ -9404,7 +9485,7 @@
           <p:cNvPr id="3" name="그림 2">
             <a:extLst>
               <a:ext uri="{FF2B5EF4-FFF2-40B4-BE49-F238E27FC236}">
-                <a16:creationId xmlns:a16="http://schemas.microsoft.com/office/drawing/2014/main" xmlns="" id="{4569B04C-4DAC-4430-BB8F-14E61FDAD9E8}"/>
+                <a16:creationId xmlns="" xmlns:a16="http://schemas.microsoft.com/office/drawing/2014/main" id="{4569B04C-4DAC-4430-BB8F-14E61FDAD9E8}"/>
               </a:ext>
             </a:extLst>
           </p:cNvPr>
@@ -9440,7 +9521,7 @@
           <p:cNvPr id="13" name="그림 12">
             <a:extLst>
               <a:ext uri="{FF2B5EF4-FFF2-40B4-BE49-F238E27FC236}">
-                <a16:creationId xmlns:a16="http://schemas.microsoft.com/office/drawing/2014/main" xmlns="" id="{B9933623-120A-41D3-8C96-8680E054CD1B}"/>
+                <a16:creationId xmlns="" xmlns:a16="http://schemas.microsoft.com/office/drawing/2014/main" id="{B9933623-120A-41D3-8C96-8680E054CD1B}"/>
               </a:ext>
             </a:extLst>
           </p:cNvPr>
@@ -9814,7 +9895,7 @@
           <p:cNvPr id="4" name="그림 3">
             <a:extLst>
               <a:ext uri="{FF2B5EF4-FFF2-40B4-BE49-F238E27FC236}">
-                <a16:creationId xmlns:a16="http://schemas.microsoft.com/office/drawing/2014/main" xmlns="" id="{8D1E114A-B5ED-4189-8EC0-4D8B04CB8728}"/>
+                <a16:creationId xmlns="" xmlns:a16="http://schemas.microsoft.com/office/drawing/2014/main" id="{8D1E114A-B5ED-4189-8EC0-4D8B04CB8728}"/>
               </a:ext>
             </a:extLst>
           </p:cNvPr>
@@ -9850,7 +9931,7 @@
           <p:cNvPr id="8" name="제목 1">
             <a:extLst>
               <a:ext uri="{FF2B5EF4-FFF2-40B4-BE49-F238E27FC236}">
-                <a16:creationId xmlns:a16="http://schemas.microsoft.com/office/drawing/2014/main" xmlns="" id="{563DC378-FD8D-4301-9CAA-D19E0D067B92}"/>
+                <a16:creationId xmlns="" xmlns:a16="http://schemas.microsoft.com/office/drawing/2014/main" id="{563DC378-FD8D-4301-9CAA-D19E0D067B92}"/>
               </a:ext>
             </a:extLst>
           </p:cNvPr>
@@ -9891,7 +9972,7 @@
           <p:cNvPr id="2" name="TextBox 1">
             <a:extLst>
               <a:ext uri="{FF2B5EF4-FFF2-40B4-BE49-F238E27FC236}">
-                <a16:creationId xmlns:a16="http://schemas.microsoft.com/office/drawing/2014/main" xmlns="" id="{450AD293-3F71-430C-A017-68649D15DB66}"/>
+                <a16:creationId xmlns="" xmlns:a16="http://schemas.microsoft.com/office/drawing/2014/main" id="{450AD293-3F71-430C-A017-68649D15DB66}"/>
               </a:ext>
             </a:extLst>
           </p:cNvPr>
@@ -10138,7 +10219,7 @@
           <p:cNvPr id="2" name="제목 1">
             <a:extLst>
               <a:ext uri="{FF2B5EF4-FFF2-40B4-BE49-F238E27FC236}">
-                <a16:creationId xmlns:a16="http://schemas.microsoft.com/office/drawing/2014/main" xmlns="" id="{702F3658-4381-4C65-824F-26F67ACAC2BB}"/>
+                <a16:creationId xmlns="" xmlns:a16="http://schemas.microsoft.com/office/drawing/2014/main" id="{702F3658-4381-4C65-824F-26F67ACAC2BB}"/>
               </a:ext>
             </a:extLst>
           </p:cNvPr>
